--- a/3/sbp3.pptx
+++ b/3/sbp3.pptx
@@ -15,15 +15,15 @@
     <p:sldId id="282" r:id="rId6"/>
     <p:sldId id="262" r:id="rId7"/>
     <p:sldId id="330" r:id="rId8"/>
-    <p:sldId id="294" r:id="rId9"/>
-    <p:sldId id="331" r:id="rId10"/>
-    <p:sldId id="332" r:id="rId11"/>
-    <p:sldId id="334" r:id="rId12"/>
-    <p:sldId id="336" r:id="rId13"/>
-    <p:sldId id="335" r:id="rId14"/>
-    <p:sldId id="302" r:id="rId15"/>
-    <p:sldId id="337" r:id="rId16"/>
-    <p:sldId id="338" r:id="rId17"/>
+    <p:sldId id="339" r:id="rId9"/>
+    <p:sldId id="340" r:id="rId10"/>
+    <p:sldId id="294" r:id="rId11"/>
+    <p:sldId id="331" r:id="rId12"/>
+    <p:sldId id="332" r:id="rId13"/>
+    <p:sldId id="334" r:id="rId14"/>
+    <p:sldId id="341" r:id="rId15"/>
+    <p:sldId id="335" r:id="rId16"/>
+    <p:sldId id="342" r:id="rId17"/>
     <p:sldId id="286" r:id="rId18"/>
   </p:sldIdLst>
   <p:sldSz cx="9144000" cy="5143500" type="screen16x9"/>
@@ -1169,7 +1169,7 @@
     </p:spTree>
     <p:extLst>
       <p:ext uri="{BB962C8B-B14F-4D97-AF65-F5344CB8AC3E}">
-        <p14:creationId xmlns:p14="http://schemas.microsoft.com/office/powerpoint/2010/main" val="3049001029"/>
+        <p14:creationId xmlns:p14="http://schemas.microsoft.com/office/powerpoint/2010/main" val="2142220789"/>
       </p:ext>
     </p:extLst>
   </p:cSld>
@@ -1184,7 +1184,7 @@
   <p:cSld>
     <p:spTree>
       <p:nvGrpSpPr>
-        <p:cNvPr id="1" name="Shape 1093"/>
+        <p:cNvPr id="1" name="Shape 594"/>
         <p:cNvGrpSpPr/>
         <p:nvPr/>
       </p:nvGrpSpPr>
@@ -1198,7 +1198,7 @@
       </p:grpSpPr>
       <p:sp>
         <p:nvSpPr>
-          <p:cNvPr id="1094" name="Google Shape;1094;gf0c19b9df6_0_713:notes"/>
+          <p:cNvPr id="595" name="Google Shape;595;ge396f54333_1_0:notes"/>
           <p:cNvSpPr>
             <a:spLocks noGrp="1" noRot="1" noChangeAspect="1"/>
           </p:cNvSpPr>
@@ -1239,7 +1239,7 @@
       </p:sp>
       <p:sp>
         <p:nvSpPr>
-          <p:cNvPr id="1095" name="Google Shape;1095;gf0c19b9df6_0_713:notes"/>
+          <p:cNvPr id="596" name="Google Shape;596;ge396f54333_1_0:notes"/>
           <p:cNvSpPr txBox="1">
             <a:spLocks noGrp="1"/>
           </p:cNvSpPr>
@@ -1278,7 +1278,7 @@
     </p:spTree>
     <p:extLst>
       <p:ext uri="{BB962C8B-B14F-4D97-AF65-F5344CB8AC3E}">
-        <p14:creationId xmlns:p14="http://schemas.microsoft.com/office/powerpoint/2010/main" val="3206212103"/>
+        <p14:creationId xmlns:p14="http://schemas.microsoft.com/office/powerpoint/2010/main" val="3049001029"/>
       </p:ext>
     </p:extLst>
   </p:cSld>
@@ -1289,6 +1289,115 @@
 </file>
 
 <file path=ppt/notesSlides/notesSlide14.xml><?xml version="1.0" encoding="utf-8"?>
+<p:notes xmlns:a="http://schemas.openxmlformats.org/drawingml/2006/main" xmlns:r="http://schemas.openxmlformats.org/officeDocument/2006/relationships" xmlns:p="http://schemas.openxmlformats.org/presentationml/2006/main" showMasterSp="0" showMasterPhAnim="0">
+  <p:cSld>
+    <p:spTree>
+      <p:nvGrpSpPr>
+        <p:cNvPr id="1" name="Shape 594"/>
+        <p:cNvGrpSpPr/>
+        <p:nvPr/>
+      </p:nvGrpSpPr>
+      <p:grpSpPr>
+        <a:xfrm>
+          <a:off x="0" y="0"/>
+          <a:ext cx="0" cy="0"/>
+          <a:chOff x="0" y="0"/>
+          <a:chExt cx="0" cy="0"/>
+        </a:xfrm>
+      </p:grpSpPr>
+      <p:sp>
+        <p:nvSpPr>
+          <p:cNvPr id="595" name="Google Shape;595;ge396f54333_1_0:notes"/>
+          <p:cNvSpPr>
+            <a:spLocks noGrp="1" noRot="1" noChangeAspect="1"/>
+          </p:cNvSpPr>
+          <p:nvPr>
+            <p:ph type="sldImg" idx="2"/>
+          </p:nvPr>
+        </p:nvSpPr>
+        <p:spPr>
+          <a:xfrm>
+            <a:off x="381000" y="685800"/>
+            <a:ext cx="6096000" cy="3429000"/>
+          </a:xfrm>
+          <a:custGeom>
+            <a:avLst/>
+            <a:gdLst/>
+            <a:ahLst/>
+            <a:cxnLst/>
+            <a:rect l="l" t="t" r="r" b="b"/>
+            <a:pathLst>
+              <a:path w="120000" h="120000" extrusionOk="0">
+                <a:moveTo>
+                  <a:pt x="0" y="0"/>
+                </a:moveTo>
+                <a:lnTo>
+                  <a:pt x="120000" y="0"/>
+                </a:lnTo>
+                <a:lnTo>
+                  <a:pt x="120000" y="120000"/>
+                </a:lnTo>
+                <a:lnTo>
+                  <a:pt x="0" y="120000"/>
+                </a:lnTo>
+                <a:close/>
+              </a:path>
+            </a:pathLst>
+          </a:custGeom>
+        </p:spPr>
+      </p:sp>
+      <p:sp>
+        <p:nvSpPr>
+          <p:cNvPr id="596" name="Google Shape;596;ge396f54333_1_0:notes"/>
+          <p:cNvSpPr txBox="1">
+            <a:spLocks noGrp="1"/>
+          </p:cNvSpPr>
+          <p:nvPr>
+            <p:ph type="body" idx="1"/>
+          </p:nvPr>
+        </p:nvSpPr>
+        <p:spPr>
+          <a:xfrm>
+            <a:off x="685800" y="4343400"/>
+            <a:ext cx="5486400" cy="4114800"/>
+          </a:xfrm>
+          <a:prstGeom prst="rect">
+            <a:avLst/>
+          </a:prstGeom>
+        </p:spPr>
+        <p:txBody>
+          <a:bodyPr spcFirstLastPara="1" wrap="square" lIns="91425" tIns="91425" rIns="91425" bIns="91425" anchor="t" anchorCtr="0">
+            <a:noAutofit/>
+          </a:bodyPr>
+          <a:lstStyle/>
+          <a:p>
+            <a:pPr marL="0" lvl="0" indent="0" algn="l" rtl="0">
+              <a:spcBef>
+                <a:spcPts val="0"/>
+              </a:spcBef>
+              <a:spcAft>
+                <a:spcPts val="0"/>
+              </a:spcAft>
+              <a:buNone/>
+            </a:pPr>
+            <a:endParaRPr/>
+          </a:p>
+        </p:txBody>
+      </p:sp>
+    </p:spTree>
+    <p:extLst>
+      <p:ext uri="{BB962C8B-B14F-4D97-AF65-F5344CB8AC3E}">
+        <p14:creationId xmlns:p14="http://schemas.microsoft.com/office/powerpoint/2010/main" val="423932682"/>
+      </p:ext>
+    </p:extLst>
+  </p:cSld>
+  <p:clrMapOvr>
+    <a:masterClrMapping/>
+  </p:clrMapOvr>
+</p:notes>
+</file>
+
+<file path=ppt/notesSlides/notesSlide15.xml><?xml version="1.0" encoding="utf-8"?>
 <p:notes xmlns:a="http://schemas.openxmlformats.org/drawingml/2006/main" xmlns:r="http://schemas.openxmlformats.org/officeDocument/2006/relationships" xmlns:p="http://schemas.openxmlformats.org/presentationml/2006/main" showMasterSp="0" showMasterPhAnim="0">
   <p:cSld>
     <p:spTree>
@@ -14465,8 +14574,8 @@
               </a:rPr>
             </a:br>
             <a:r>
-              <a:rPr lang="sr-Latn-RS" sz="3600"/>
-              <a:t>Replikacija kod Mongo baze podataka</a:t>
+              <a:rPr lang="en-US" sz="3600" dirty="0"/>
+              <a:t>DBaaS – MongoDB Atlas</a:t>
             </a:r>
             <a:br>
               <a:rPr lang="en-US" sz="3600" dirty="0"/>
@@ -14557,7 +14666,7 @@
   <p:cSld>
     <p:spTree>
       <p:nvGrpSpPr>
-        <p:cNvPr id="1" name="Shape 597"/>
+        <p:cNvPr id="1" name="Shape 581"/>
         <p:cNvGrpSpPr/>
         <p:nvPr/>
       </p:nvGrpSpPr>
@@ -14571,18 +14680,18 @@
       </p:grpSpPr>
       <p:sp>
         <p:nvSpPr>
-          <p:cNvPr id="598" name="Google Shape;598;p43"/>
+          <p:cNvPr id="583" name="Google Shape;583;p41"/>
           <p:cNvSpPr/>
           <p:nvPr/>
         </p:nvSpPr>
         <p:spPr>
           <a:xfrm>
-            <a:off x="1745400" y="529000"/>
-            <a:ext cx="5653200" cy="496500"/>
+            <a:off x="4057800" y="1320502"/>
+            <a:ext cx="1028400" cy="1028400"/>
           </a:xfrm>
           <a:prstGeom prst="roundRect">
             <a:avLst>
-              <a:gd name="adj" fmla="val 50000"/>
+              <a:gd name="adj" fmla="val 31166"/>
             </a:avLst>
           </a:prstGeom>
           <a:noFill/>
@@ -14617,7 +14726,7 @@
       </p:sp>
       <p:sp>
         <p:nvSpPr>
-          <p:cNvPr id="603" name="Google Shape;603;p43"/>
+          <p:cNvPr id="584" name="Google Shape;584;p41"/>
           <p:cNvSpPr txBox="1">
             <a:spLocks noGrp="1"/>
           </p:cNvSpPr>
@@ -14627,8 +14736,44 @@
         </p:nvSpPr>
         <p:spPr>
           <a:xfrm>
-            <a:off x="713225" y="548650"/>
-            <a:ext cx="7717500" cy="457200"/>
+            <a:off x="359264" y="2716940"/>
+            <a:ext cx="8653118" cy="914400"/>
+          </a:xfrm>
+          <a:prstGeom prst="rect">
+            <a:avLst/>
+          </a:prstGeom>
+        </p:spPr>
+        <p:txBody>
+          <a:bodyPr spcFirstLastPara="1" wrap="square" lIns="91425" tIns="91425" rIns="91425" bIns="91425" anchor="ctr" anchorCtr="0">
+            <a:noAutofit/>
+          </a:bodyPr>
+          <a:lstStyle/>
+          <a:p>
+            <a:r>
+              <a:rPr lang="sr-Latn-RS" dirty="0"/>
+              <a:t>MongoDB Atlas</a:t>
+            </a:r>
+            <a:br>
+              <a:rPr lang="sr-Latn-RS" dirty="0"/>
+            </a:br>
+            <a:endParaRPr dirty="0"/>
+          </a:p>
+        </p:txBody>
+      </p:sp>
+      <p:sp>
+        <p:nvSpPr>
+          <p:cNvPr id="586" name="Google Shape;586;p41"/>
+          <p:cNvSpPr txBox="1">
+            <a:spLocks noGrp="1"/>
+          </p:cNvSpPr>
+          <p:nvPr>
+            <p:ph type="title" idx="2"/>
+          </p:nvPr>
+        </p:nvSpPr>
+        <p:spPr>
+          <a:xfrm>
+            <a:off x="4059900" y="1322593"/>
+            <a:ext cx="1024200" cy="1024200"/>
           </a:xfrm>
           <a:prstGeom prst="rect">
             <a:avLst/>
@@ -14650,174 +14795,304 @@
               <a:buNone/>
             </a:pPr>
             <a:r>
+              <a:rPr lang="en" dirty="0"/>
+              <a:t>0</a:t>
+            </a:r>
+            <a:r>
               <a:rPr lang="sr-Latn-RS" dirty="0"/>
-              <a:t>Implementacioni obrasci</a:t>
+              <a:t>3</a:t>
             </a:r>
-            <a:endParaRPr dirty="0">
-              <a:solidFill>
-                <a:schemeClr val="dk2"/>
-              </a:solidFill>
-            </a:endParaRPr>
+            <a:endParaRPr dirty="0"/>
           </a:p>
         </p:txBody>
       </p:sp>
       <p:sp>
         <p:nvSpPr>
-          <p:cNvPr id="6" name="TextBox 5">
+          <p:cNvPr id="8" name="Google Shape;790;p48">
             <a:extLst>
               <a:ext uri="{FF2B5EF4-FFF2-40B4-BE49-F238E27FC236}">
-                <a16:creationId xmlns:a16="http://schemas.microsoft.com/office/drawing/2014/main" id="{8CF3A19A-25C6-4204-6718-86A361C98144}"/>
+                <a16:creationId xmlns:a16="http://schemas.microsoft.com/office/drawing/2014/main" id="{200B1EFD-A296-44AC-997E-3CDD5BBB3E9C}"/>
               </a:ext>
             </a:extLst>
           </p:cNvPr>
-          <p:cNvSpPr txBox="1"/>
+          <p:cNvSpPr txBox="1">
+            <a:spLocks/>
+          </p:cNvSpPr>
           <p:nvPr/>
         </p:nvSpPr>
         <p:spPr>
           <a:xfrm>
-            <a:off x="1551709" y="1908424"/>
-            <a:ext cx="5389418" cy="1204112"/>
+            <a:off x="2160562" y="3294902"/>
+            <a:ext cx="4822875" cy="365700"/>
           </a:xfrm>
           <a:prstGeom prst="rect">
             <a:avLst/>
           </a:prstGeom>
           <a:noFill/>
+          <a:ln>
+            <a:noFill/>
+          </a:ln>
         </p:spPr>
         <p:txBody>
-          <a:bodyPr wrap="square">
-            <a:spAutoFit/>
+          <a:bodyPr spcFirstLastPara="1" wrap="square" lIns="91425" tIns="91425" rIns="91425" bIns="91425" anchor="ctr" anchorCtr="0">
+            <a:noAutofit/>
           </a:bodyPr>
-          <a:lstStyle/>
+          <a:lstStyle>
+            <a:defPPr marR="0" lvl="0" algn="l" rtl="0">
+              <a:lnSpc>
+                <a:spcPct val="100000"/>
+              </a:lnSpc>
+              <a:spcBef>
+                <a:spcPts val="0"/>
+              </a:spcBef>
+              <a:spcAft>
+                <a:spcPts val="0"/>
+              </a:spcAft>
+            </a:defPPr>
+            <a:lvl1pPr marR="0" lvl="0" algn="ctr" rtl="0">
+              <a:lnSpc>
+                <a:spcPct val="100000"/>
+              </a:lnSpc>
+              <a:spcBef>
+                <a:spcPts val="0"/>
+              </a:spcBef>
+              <a:spcAft>
+                <a:spcPts val="0"/>
+              </a:spcAft>
+              <a:buClr>
+                <a:schemeClr val="lt1"/>
+              </a:buClr>
+              <a:buSzPts val="3600"/>
+              <a:buFont typeface="Montserrat Alternates ExtraBold"/>
+              <a:buNone/>
+              <a:defRPr sz="5000" b="0" i="0" u="none" strike="noStrike" cap="none">
+                <a:solidFill>
+                  <a:schemeClr val="lt1"/>
+                </a:solidFill>
+                <a:latin typeface="Montserrat Alternates ExtraBold"/>
+                <a:ea typeface="Montserrat Alternates ExtraBold"/>
+                <a:cs typeface="Montserrat Alternates ExtraBold"/>
+                <a:sym typeface="Montserrat Alternates ExtraBold"/>
+              </a:defRPr>
+            </a:lvl1pPr>
+            <a:lvl2pPr marR="0" lvl="1" algn="ctr" rtl="0">
+              <a:lnSpc>
+                <a:spcPct val="100000"/>
+              </a:lnSpc>
+              <a:spcBef>
+                <a:spcPts val="0"/>
+              </a:spcBef>
+              <a:spcAft>
+                <a:spcPts val="0"/>
+              </a:spcAft>
+              <a:buClr>
+                <a:schemeClr val="lt1"/>
+              </a:buClr>
+              <a:buSzPts val="3600"/>
+              <a:buFont typeface="Arial"/>
+              <a:buNone/>
+              <a:defRPr sz="3600" b="0" i="0" u="none" strike="noStrike" cap="none">
+                <a:solidFill>
+                  <a:schemeClr val="lt1"/>
+                </a:solidFill>
+                <a:latin typeface="Arial"/>
+                <a:ea typeface="Arial"/>
+                <a:cs typeface="Arial"/>
+                <a:sym typeface="Arial"/>
+              </a:defRPr>
+            </a:lvl2pPr>
+            <a:lvl3pPr marR="0" lvl="2" algn="ctr" rtl="0">
+              <a:lnSpc>
+                <a:spcPct val="100000"/>
+              </a:lnSpc>
+              <a:spcBef>
+                <a:spcPts val="0"/>
+              </a:spcBef>
+              <a:spcAft>
+                <a:spcPts val="0"/>
+              </a:spcAft>
+              <a:buClr>
+                <a:schemeClr val="lt1"/>
+              </a:buClr>
+              <a:buSzPts val="3600"/>
+              <a:buFont typeface="Arial"/>
+              <a:buNone/>
+              <a:defRPr sz="3600" b="0" i="0" u="none" strike="noStrike" cap="none">
+                <a:solidFill>
+                  <a:schemeClr val="lt1"/>
+                </a:solidFill>
+                <a:latin typeface="Arial"/>
+                <a:ea typeface="Arial"/>
+                <a:cs typeface="Arial"/>
+                <a:sym typeface="Arial"/>
+              </a:defRPr>
+            </a:lvl3pPr>
+            <a:lvl4pPr marR="0" lvl="3" algn="ctr" rtl="0">
+              <a:lnSpc>
+                <a:spcPct val="100000"/>
+              </a:lnSpc>
+              <a:spcBef>
+                <a:spcPts val="0"/>
+              </a:spcBef>
+              <a:spcAft>
+                <a:spcPts val="0"/>
+              </a:spcAft>
+              <a:buClr>
+                <a:schemeClr val="lt1"/>
+              </a:buClr>
+              <a:buSzPts val="3600"/>
+              <a:buFont typeface="Arial"/>
+              <a:buNone/>
+              <a:defRPr sz="3600" b="0" i="0" u="none" strike="noStrike" cap="none">
+                <a:solidFill>
+                  <a:schemeClr val="lt1"/>
+                </a:solidFill>
+                <a:latin typeface="Arial"/>
+                <a:ea typeface="Arial"/>
+                <a:cs typeface="Arial"/>
+                <a:sym typeface="Arial"/>
+              </a:defRPr>
+            </a:lvl4pPr>
+            <a:lvl5pPr marR="0" lvl="4" algn="ctr" rtl="0">
+              <a:lnSpc>
+                <a:spcPct val="100000"/>
+              </a:lnSpc>
+              <a:spcBef>
+                <a:spcPts val="0"/>
+              </a:spcBef>
+              <a:spcAft>
+                <a:spcPts val="0"/>
+              </a:spcAft>
+              <a:buClr>
+                <a:schemeClr val="lt1"/>
+              </a:buClr>
+              <a:buSzPts val="3600"/>
+              <a:buFont typeface="Arial"/>
+              <a:buNone/>
+              <a:defRPr sz="3600" b="0" i="0" u="none" strike="noStrike" cap="none">
+                <a:solidFill>
+                  <a:schemeClr val="lt1"/>
+                </a:solidFill>
+                <a:latin typeface="Arial"/>
+                <a:ea typeface="Arial"/>
+                <a:cs typeface="Arial"/>
+                <a:sym typeface="Arial"/>
+              </a:defRPr>
+            </a:lvl5pPr>
+            <a:lvl6pPr marR="0" lvl="5" algn="ctr" rtl="0">
+              <a:lnSpc>
+                <a:spcPct val="100000"/>
+              </a:lnSpc>
+              <a:spcBef>
+                <a:spcPts val="0"/>
+              </a:spcBef>
+              <a:spcAft>
+                <a:spcPts val="0"/>
+              </a:spcAft>
+              <a:buClr>
+                <a:schemeClr val="lt1"/>
+              </a:buClr>
+              <a:buSzPts val="3600"/>
+              <a:buFont typeface="Arial"/>
+              <a:buNone/>
+              <a:defRPr sz="3600" b="0" i="0" u="none" strike="noStrike" cap="none">
+                <a:solidFill>
+                  <a:schemeClr val="lt1"/>
+                </a:solidFill>
+                <a:latin typeface="Arial"/>
+                <a:ea typeface="Arial"/>
+                <a:cs typeface="Arial"/>
+                <a:sym typeface="Arial"/>
+              </a:defRPr>
+            </a:lvl6pPr>
+            <a:lvl7pPr marR="0" lvl="6" algn="ctr" rtl="0">
+              <a:lnSpc>
+                <a:spcPct val="100000"/>
+              </a:lnSpc>
+              <a:spcBef>
+                <a:spcPts val="0"/>
+              </a:spcBef>
+              <a:spcAft>
+                <a:spcPts val="0"/>
+              </a:spcAft>
+              <a:buClr>
+                <a:schemeClr val="lt1"/>
+              </a:buClr>
+              <a:buSzPts val="3600"/>
+              <a:buFont typeface="Arial"/>
+              <a:buNone/>
+              <a:defRPr sz="3600" b="0" i="0" u="none" strike="noStrike" cap="none">
+                <a:solidFill>
+                  <a:schemeClr val="lt1"/>
+                </a:solidFill>
+                <a:latin typeface="Arial"/>
+                <a:ea typeface="Arial"/>
+                <a:cs typeface="Arial"/>
+                <a:sym typeface="Arial"/>
+              </a:defRPr>
+            </a:lvl7pPr>
+            <a:lvl8pPr marR="0" lvl="7" algn="ctr" rtl="0">
+              <a:lnSpc>
+                <a:spcPct val="100000"/>
+              </a:lnSpc>
+              <a:spcBef>
+                <a:spcPts val="0"/>
+              </a:spcBef>
+              <a:spcAft>
+                <a:spcPts val="0"/>
+              </a:spcAft>
+              <a:buClr>
+                <a:schemeClr val="lt1"/>
+              </a:buClr>
+              <a:buSzPts val="3600"/>
+              <a:buFont typeface="Arial"/>
+              <a:buNone/>
+              <a:defRPr sz="3600" b="0" i="0" u="none" strike="noStrike" cap="none">
+                <a:solidFill>
+                  <a:schemeClr val="lt1"/>
+                </a:solidFill>
+                <a:latin typeface="Arial"/>
+                <a:ea typeface="Arial"/>
+                <a:cs typeface="Arial"/>
+                <a:sym typeface="Arial"/>
+              </a:defRPr>
+            </a:lvl8pPr>
+            <a:lvl9pPr marR="0" lvl="8" algn="ctr" rtl="0">
+              <a:lnSpc>
+                <a:spcPct val="100000"/>
+              </a:lnSpc>
+              <a:spcBef>
+                <a:spcPts val="0"/>
+              </a:spcBef>
+              <a:spcAft>
+                <a:spcPts val="0"/>
+              </a:spcAft>
+              <a:buClr>
+                <a:schemeClr val="lt1"/>
+              </a:buClr>
+              <a:buSzPts val="3600"/>
+              <a:buFont typeface="Arial"/>
+              <a:buNone/>
+              <a:defRPr sz="3600" b="0" i="0" u="none" strike="noStrike" cap="none">
+                <a:solidFill>
+                  <a:schemeClr val="lt1"/>
+                </a:solidFill>
+                <a:latin typeface="Arial"/>
+                <a:ea typeface="Arial"/>
+                <a:cs typeface="Arial"/>
+                <a:sym typeface="Arial"/>
+              </a:defRPr>
+            </a:lvl9pPr>
+          </a:lstStyle>
           <a:p>
-            <a:pPr marL="0" marR="0" algn="just">
-              <a:lnSpc>
-                <a:spcPct val="107000"/>
-              </a:lnSpc>
-              <a:spcBef>
-                <a:spcPts val="0"/>
-              </a:spcBef>
-              <a:spcAft>
-                <a:spcPts val="800"/>
-              </a:spcAft>
-            </a:pPr>
-            <a:r>
-              <a:rPr lang="sr-Latn-RS" sz="1400" b="1" cap="small" spc="25" dirty="0">
-                <a:solidFill>
-                  <a:schemeClr val="bg1"/>
-                </a:solidFill>
-                <a:effectLst/>
-                <a:latin typeface="Times New Roman" panose="02020603050405020304" pitchFamily="18" charset="0"/>
-                <a:ea typeface="NSimSun" panose="02010609030101010101" pitchFamily="49" charset="-122"/>
-                <a:cs typeface="Lucida Sans" panose="020B0602030504020204" pitchFamily="34" charset="0"/>
-              </a:rPr>
-              <a:t>Postoje dva osnovna tipa arhitektura:</a:t>
-            </a:r>
-            <a:endParaRPr lang="en-US" sz="1400" dirty="0">
-              <a:solidFill>
-                <a:schemeClr val="bg1"/>
-              </a:solidFill>
-              <a:effectLst/>
-              <a:latin typeface="Times New Roman" panose="02020603050405020304" pitchFamily="18" charset="0"/>
-              <a:ea typeface="NSimSun" panose="02010609030101010101" pitchFamily="49" charset="-122"/>
-              <a:cs typeface="Lucida Sans" panose="020B0602030504020204" pitchFamily="34" charset="0"/>
-            </a:endParaRPr>
-          </a:p>
-          <a:p>
-            <a:pPr marL="342900" marR="0" lvl="0" indent="-342900" algn="just">
-              <a:lnSpc>
-                <a:spcPct val="107000"/>
-              </a:lnSpc>
-              <a:spcBef>
-                <a:spcPts val="0"/>
-              </a:spcBef>
-              <a:spcAft>
-                <a:spcPts val="800"/>
-              </a:spcAft>
-              <a:buClr>
-                <a:schemeClr val="bg1"/>
-              </a:buClr>
-              <a:buFont typeface="Wingdings" panose="05000000000000000000" pitchFamily="2" charset="2"/>
-              <a:buChar char=""/>
-            </a:pPr>
-            <a:r>
-              <a:rPr lang="sr-Latn-RS" sz="1400" b="1" cap="small" spc="25" dirty="0">
-                <a:solidFill>
-                  <a:schemeClr val="bg1"/>
-                </a:solidFill>
-                <a:effectLst/>
-                <a:latin typeface="Times New Roman" panose="02020603050405020304" pitchFamily="18" charset="0"/>
-                <a:ea typeface="NSimSun" panose="02010609030101010101" pitchFamily="49" charset="-122"/>
-                <a:cs typeface="Mangal" panose="02040503050203030202" pitchFamily="18" charset="0"/>
-              </a:rPr>
-              <a:t>Setovi replika od tri člana</a:t>
-            </a:r>
-            <a:r>
-              <a:rPr lang="sr-Latn-RS" sz="1400" b="0" cap="small" spc="25" dirty="0">
-                <a:solidFill>
-                  <a:schemeClr val="bg1"/>
-                </a:solidFill>
-                <a:effectLst/>
-                <a:latin typeface="Times New Roman" panose="02020603050405020304" pitchFamily="18" charset="0"/>
-                <a:ea typeface="NSimSun" panose="02010609030101010101" pitchFamily="49" charset="-122"/>
-                <a:cs typeface="Mangal" panose="02040503050203030202" pitchFamily="18" charset="0"/>
-              </a:rPr>
-              <a:t> </a:t>
-            </a:r>
-            <a:endParaRPr lang="en-US" sz="1400" dirty="0">
-              <a:solidFill>
-                <a:schemeClr val="bg1"/>
-              </a:solidFill>
-              <a:effectLst/>
-              <a:latin typeface="Times New Roman" panose="02020603050405020304" pitchFamily="18" charset="0"/>
-              <a:ea typeface="NSimSun" panose="02010609030101010101" pitchFamily="49" charset="-122"/>
-              <a:cs typeface="Mangal" panose="02040503050203030202" pitchFamily="18" charset="0"/>
-            </a:endParaRPr>
-          </a:p>
-          <a:p>
-            <a:pPr marL="342900" marR="0" lvl="0" indent="-342900" algn="just">
-              <a:lnSpc>
-                <a:spcPct val="107000"/>
-              </a:lnSpc>
-              <a:spcBef>
-                <a:spcPts val="0"/>
-              </a:spcBef>
-              <a:spcAft>
-                <a:spcPts val="800"/>
-              </a:spcAft>
-              <a:buClr>
-                <a:schemeClr val="bg1"/>
-              </a:buClr>
-              <a:buFont typeface="Wingdings" panose="05000000000000000000" pitchFamily="2" charset="2"/>
-              <a:buChar char=""/>
-            </a:pPr>
-            <a:r>
-              <a:rPr lang="sr-Latn-RS" sz="1400" b="1" cap="small" spc="25" dirty="0">
-                <a:solidFill>
-                  <a:schemeClr val="bg1"/>
-                </a:solidFill>
-                <a:effectLst/>
-                <a:latin typeface="Times New Roman" panose="02020603050405020304" pitchFamily="18" charset="0"/>
-                <a:ea typeface="NSimSun" panose="02010609030101010101" pitchFamily="49" charset="-122"/>
-                <a:cs typeface="Mangal" panose="02040503050203030202" pitchFamily="18" charset="0"/>
-              </a:rPr>
-              <a:t>Skupovi replika raspoređeni u dva ili više centara podataka</a:t>
-            </a:r>
-            <a:endParaRPr lang="en-US" sz="1400" dirty="0">
-              <a:solidFill>
-                <a:schemeClr val="bg1"/>
-              </a:solidFill>
-              <a:effectLst/>
-              <a:latin typeface="Times New Roman" panose="02020603050405020304" pitchFamily="18" charset="0"/>
-              <a:ea typeface="NSimSun" panose="02010609030101010101" pitchFamily="49" charset="-122"/>
-              <a:cs typeface="Mangal" panose="02040503050203030202" pitchFamily="18" charset="0"/>
-            </a:endParaRPr>
+            <a:endParaRPr lang="pl-PL" sz="1800" dirty="0"/>
           </a:p>
         </p:txBody>
       </p:sp>
     </p:spTree>
     <p:extLst>
       <p:ext uri="{BB962C8B-B14F-4D97-AF65-F5344CB8AC3E}">
-        <p14:creationId xmlns:p14="http://schemas.microsoft.com/office/powerpoint/2010/main" val="3365756708"/>
+        <p14:creationId xmlns:p14="http://schemas.microsoft.com/office/powerpoint/2010/main" val="2131226787"/>
       </p:ext>
     </p:extLst>
   </p:cSld>
@@ -14856,165 +15131,168 @@
           <a:chExt cx="0" cy="0"/>
         </a:xfrm>
       </p:grpSpPr>
-      <p:sp>
-        <p:nvSpPr>
-          <p:cNvPr id="598" name="Google Shape;598;p43"/>
-          <p:cNvSpPr/>
-          <p:nvPr/>
-        </p:nvSpPr>
-        <p:spPr>
-          <a:xfrm>
-            <a:off x="1745400" y="529000"/>
-            <a:ext cx="5653200" cy="496500"/>
-          </a:xfrm>
-          <a:prstGeom prst="roundRect">
-            <a:avLst>
-              <a:gd name="adj" fmla="val 50000"/>
-            </a:avLst>
-          </a:prstGeom>
-          <a:noFill/>
-          <a:ln w="9525" cap="flat" cmpd="sng">
-            <a:solidFill>
-              <a:schemeClr val="lt1"/>
-            </a:solidFill>
-            <a:prstDash val="solid"/>
-            <a:round/>
-            <a:headEnd type="none" w="sm" len="sm"/>
-            <a:tailEnd type="none" w="sm" len="sm"/>
-          </a:ln>
-        </p:spPr>
-        <p:txBody>
-          <a:bodyPr spcFirstLastPara="1" wrap="square" lIns="91425" tIns="91425" rIns="91425" bIns="91425" anchor="ctr" anchorCtr="0">
-            <a:noAutofit/>
-          </a:bodyPr>
-          <a:lstStyle/>
-          <a:p>
-            <a:pPr marL="0" lvl="0" indent="0" algn="l" rtl="0">
-              <a:spcBef>
-                <a:spcPts val="0"/>
-              </a:spcBef>
-              <a:spcAft>
-                <a:spcPts val="0"/>
-              </a:spcAft>
-              <a:buNone/>
-            </a:pPr>
-            <a:endParaRPr/>
-          </a:p>
-        </p:txBody>
-      </p:sp>
-      <p:sp>
-        <p:nvSpPr>
-          <p:cNvPr id="603" name="Google Shape;603;p43"/>
-          <p:cNvSpPr txBox="1">
-            <a:spLocks noGrp="1"/>
-          </p:cNvSpPr>
-          <p:nvPr>
-            <p:ph type="title"/>
-          </p:nvPr>
-        </p:nvSpPr>
-        <p:spPr>
-          <a:xfrm>
-            <a:off x="713225" y="548650"/>
-            <a:ext cx="7717500" cy="457200"/>
-          </a:xfrm>
-          <a:prstGeom prst="rect">
-            <a:avLst/>
-          </a:prstGeom>
-        </p:spPr>
-        <p:txBody>
-          <a:bodyPr spcFirstLastPara="1" wrap="square" lIns="91425" tIns="91425" rIns="91425" bIns="91425" anchor="ctr" anchorCtr="0">
-            <a:noAutofit/>
-          </a:bodyPr>
-          <a:lstStyle/>
-          <a:p>
-            <a:pPr marL="0" lvl="0" indent="0" algn="ctr" rtl="0">
-              <a:spcBef>
-                <a:spcPts val="0"/>
-              </a:spcBef>
-              <a:spcAft>
-                <a:spcPts val="0"/>
-              </a:spcAft>
-              <a:buNone/>
-            </a:pPr>
-            <a:r>
-              <a:rPr lang="pl-PL" dirty="0"/>
-              <a:t>Setovi replika od tri člana </a:t>
-            </a:r>
-          </a:p>
-        </p:txBody>
-      </p:sp>
       <p:pic>
         <p:nvPicPr>
-          <p:cNvPr id="5" name="Graphic 9">
+          <p:cNvPr id="5" name="Picture 4">
             <a:extLst>
               <a:ext uri="{FF2B5EF4-FFF2-40B4-BE49-F238E27FC236}">
-                <a16:creationId xmlns:a16="http://schemas.microsoft.com/office/drawing/2014/main" id="{6A8B8F1D-71D4-19E9-7511-104BBFE3817C}"/>
+                <a16:creationId xmlns:a16="http://schemas.microsoft.com/office/drawing/2014/main" id="{45048547-ECA1-4029-83D4-393957D0EE5D}"/>
               </a:ext>
             </a:extLst>
           </p:cNvPr>
-          <p:cNvPicPr>
-            <a:picLocks noChangeAspect="1"/>
-          </p:cNvPicPr>
+          <p:cNvPicPr/>
           <p:nvPr/>
         </p:nvPicPr>
         <p:blipFill>
-          <a:blip r:embed="rId3">
-            <a:extLst>
-              <a:ext uri="{28A0092B-C50C-407E-A947-70E740481C1C}">
-                <a14:useLocalDpi xmlns:a14="http://schemas.microsoft.com/office/drawing/2010/main" val="0"/>
-              </a:ext>
-              <a:ext uri="{96DAC541-7B7A-43D3-8B79-37D633B846F1}">
-                <asvg:svgBlip xmlns:asvg="http://schemas.microsoft.com/office/drawing/2016/SVG/main" r:embed="rId4"/>
-              </a:ext>
-            </a:extLst>
-          </a:blip>
+          <a:blip r:embed="rId3"/>
           <a:stretch>
             <a:fillRect/>
           </a:stretch>
         </p:blipFill>
         <p:spPr>
           <a:xfrm>
-            <a:off x="2537518" y="1266077"/>
-            <a:ext cx="3794943" cy="1435822"/>
+            <a:off x="999569" y="543639"/>
+            <a:ext cx="7144862" cy="4056221"/>
           </a:xfrm>
           <a:prstGeom prst="rect">
             <a:avLst/>
           </a:prstGeom>
         </p:spPr>
       </p:pic>
+    </p:spTree>
+    <p:extLst>
+      <p:ext uri="{BB962C8B-B14F-4D97-AF65-F5344CB8AC3E}">
+        <p14:creationId xmlns:p14="http://schemas.microsoft.com/office/powerpoint/2010/main" val="2087561551"/>
+      </p:ext>
+    </p:extLst>
+  </p:cSld>
+  <p:clrMapOvr>
+    <a:masterClrMapping/>
+  </p:clrMapOvr>
+  <mc:AlternateContent xmlns:mc="http://schemas.openxmlformats.org/markup-compatibility/2006" xmlns:p14="http://schemas.microsoft.com/office/powerpoint/2010/main">
+    <mc:Choice Requires="p14">
+      <p:transition spd="slow" p14:dur="1600">
+        <p14:gallery dir="l"/>
+      </p:transition>
+    </mc:Choice>
+    <mc:Fallback xmlns="">
+      <p:transition spd="slow">
+        <p:fade/>
+      </p:transition>
+    </mc:Fallback>
+  </mc:AlternateContent>
+</p:sld>
+</file>
+
+<file path=ppt/slides/slide12.xml><?xml version="1.0" encoding="utf-8"?>
+<p:sld xmlns:a="http://schemas.openxmlformats.org/drawingml/2006/main" xmlns:r="http://schemas.openxmlformats.org/officeDocument/2006/relationships" xmlns:p="http://schemas.openxmlformats.org/presentationml/2006/main">
+  <p:cSld>
+    <p:spTree>
+      <p:nvGrpSpPr>
+        <p:cNvPr id="1" name="Shape 597"/>
+        <p:cNvGrpSpPr/>
+        <p:nvPr/>
+      </p:nvGrpSpPr>
+      <p:grpSpPr>
+        <a:xfrm>
+          <a:off x="0" y="0"/>
+          <a:ext cx="0" cy="0"/>
+          <a:chOff x="0" y="0"/>
+          <a:chExt cx="0" cy="0"/>
+        </a:xfrm>
+      </p:grpSpPr>
       <p:pic>
         <p:nvPicPr>
-          <p:cNvPr id="7" name="Graphic 5">
+          <p:cNvPr id="7" name="Picture 6">
             <a:extLst>
               <a:ext uri="{FF2B5EF4-FFF2-40B4-BE49-F238E27FC236}">
-                <a16:creationId xmlns:a16="http://schemas.microsoft.com/office/drawing/2014/main" id="{809147FA-73E6-D74B-0CCE-47340119C064}"/>
+                <a16:creationId xmlns:a16="http://schemas.microsoft.com/office/drawing/2014/main" id="{D60BEAD4-8EAA-49DE-B1CE-41FBC653559D}"/>
               </a:ext>
             </a:extLst>
           </p:cNvPr>
-          <p:cNvPicPr>
-            <a:picLocks noChangeAspect="1"/>
-          </p:cNvPicPr>
+          <p:cNvPicPr/>
           <p:nvPr/>
         </p:nvPicPr>
         <p:blipFill>
-          <a:blip r:embed="rId5">
-            <a:extLst>
-              <a:ext uri="{28A0092B-C50C-407E-A947-70E740481C1C}">
-                <a14:useLocalDpi xmlns:a14="http://schemas.microsoft.com/office/drawing/2010/main" val="0"/>
-              </a:ext>
-              <a:ext uri="{96DAC541-7B7A-43D3-8B79-37D633B846F1}">
-                <asvg:svgBlip xmlns:asvg="http://schemas.microsoft.com/office/drawing/2016/SVG/main" r:embed="rId6"/>
-              </a:ext>
-            </a:extLst>
-          </a:blip>
+          <a:blip r:embed="rId3"/>
           <a:stretch>
             <a:fillRect/>
           </a:stretch>
         </p:blipFill>
         <p:spPr>
           <a:xfrm>
-            <a:off x="2537518" y="2942476"/>
-            <a:ext cx="3794943" cy="1435822"/>
+            <a:off x="1194673" y="609044"/>
+            <a:ext cx="6754654" cy="3925411"/>
+          </a:xfrm>
+          <a:prstGeom prst="rect">
+            <a:avLst/>
+          </a:prstGeom>
+        </p:spPr>
+      </p:pic>
+    </p:spTree>
+    <p:extLst>
+      <p:ext uri="{BB962C8B-B14F-4D97-AF65-F5344CB8AC3E}">
+        <p14:creationId xmlns:p14="http://schemas.microsoft.com/office/powerpoint/2010/main" val="3365756708"/>
+      </p:ext>
+    </p:extLst>
+  </p:cSld>
+  <p:clrMapOvr>
+    <a:masterClrMapping/>
+  </p:clrMapOvr>
+  <mc:AlternateContent xmlns:mc="http://schemas.openxmlformats.org/markup-compatibility/2006" xmlns:p14="http://schemas.microsoft.com/office/powerpoint/2010/main">
+    <mc:Choice Requires="p14">
+      <p:transition spd="slow" p14:dur="1600">
+        <p14:gallery dir="l"/>
+      </p:transition>
+    </mc:Choice>
+    <mc:Fallback xmlns="">
+      <p:transition spd="slow">
+        <p:fade/>
+      </p:transition>
+    </mc:Fallback>
+  </mc:AlternateContent>
+</p:sld>
+</file>
+
+<file path=ppt/slides/slide13.xml><?xml version="1.0" encoding="utf-8"?>
+<p:sld xmlns:a="http://schemas.openxmlformats.org/drawingml/2006/main" xmlns:r="http://schemas.openxmlformats.org/officeDocument/2006/relationships" xmlns:p="http://schemas.openxmlformats.org/presentationml/2006/main">
+  <p:cSld>
+    <p:spTree>
+      <p:nvGrpSpPr>
+        <p:cNvPr id="1" name="Shape 597"/>
+        <p:cNvGrpSpPr/>
+        <p:nvPr/>
+      </p:nvGrpSpPr>
+      <p:grpSpPr>
+        <a:xfrm>
+          <a:off x="0" y="0"/>
+          <a:ext cx="0" cy="0"/>
+          <a:chOff x="0" y="0"/>
+          <a:chExt cx="0" cy="0"/>
+        </a:xfrm>
+      </p:grpSpPr>
+      <p:pic>
+        <p:nvPicPr>
+          <p:cNvPr id="8" name="Picture 7">
+            <a:extLst>
+              <a:ext uri="{FF2B5EF4-FFF2-40B4-BE49-F238E27FC236}">
+                <a16:creationId xmlns:a16="http://schemas.microsoft.com/office/drawing/2014/main" id="{08DD708B-D141-464F-8878-C10126B16753}"/>
+              </a:ext>
+            </a:extLst>
+          </p:cNvPr>
+          <p:cNvPicPr/>
+          <p:nvPr/>
+        </p:nvPicPr>
+        <p:blipFill>
+          <a:blip r:embed="rId3"/>
+          <a:stretch>
+            <a:fillRect/>
+          </a:stretch>
+        </p:blipFill>
+        <p:spPr>
+          <a:xfrm>
+            <a:off x="1128156" y="1199832"/>
+            <a:ext cx="6887687" cy="2743836"/>
           </a:xfrm>
           <a:prstGeom prst="rect">
             <a:avLst/>
@@ -15046,76 +15324,7 @@
 </p:sld>
 </file>
 
-<file path=ppt/slides/slide12.xml><?xml version="1.0" encoding="utf-8"?>
-<p:sld xmlns:a="http://schemas.openxmlformats.org/drawingml/2006/main" xmlns:r="http://schemas.openxmlformats.org/officeDocument/2006/relationships" xmlns:p="http://schemas.openxmlformats.org/presentationml/2006/main">
-  <p:cSld>
-    <p:spTree>
-      <p:nvGrpSpPr>
-        <p:cNvPr id="1" name=""/>
-        <p:cNvGrpSpPr/>
-        <p:nvPr/>
-      </p:nvGrpSpPr>
-      <p:grpSpPr>
-        <a:xfrm>
-          <a:off x="0" y="0"/>
-          <a:ext cx="0" cy="0"/>
-          <a:chOff x="0" y="0"/>
-          <a:chExt cx="0" cy="0"/>
-        </a:xfrm>
-      </p:grpSpPr>
-      <p:pic>
-        <p:nvPicPr>
-          <p:cNvPr id="7" name="Graphic 11">
-            <a:extLst>
-              <a:ext uri="{FF2B5EF4-FFF2-40B4-BE49-F238E27FC236}">
-                <a16:creationId xmlns:a16="http://schemas.microsoft.com/office/drawing/2014/main" id="{62034416-6EFA-D245-B4A5-890B7D3154AA}"/>
-              </a:ext>
-            </a:extLst>
-          </p:cNvPr>
-          <p:cNvPicPr>
-            <a:picLocks noChangeAspect="1"/>
-          </p:cNvPicPr>
-          <p:nvPr/>
-        </p:nvPicPr>
-        <p:blipFill>
-          <a:blip r:embed="rId2">
-            <a:extLst>
-              <a:ext uri="{28A0092B-C50C-407E-A947-70E740481C1C}">
-                <a14:useLocalDpi xmlns:a14="http://schemas.microsoft.com/office/drawing/2010/main" val="0"/>
-              </a:ext>
-              <a:ext uri="{96DAC541-7B7A-43D3-8B79-37D633B846F1}">
-                <asvg:svgBlip xmlns:asvg="http://schemas.microsoft.com/office/drawing/2016/SVG/main" r:embed="rId3"/>
-              </a:ext>
-            </a:extLst>
-          </a:blip>
-          <a:stretch>
-            <a:fillRect/>
-          </a:stretch>
-        </p:blipFill>
-        <p:spPr>
-          <a:xfrm>
-            <a:off x="2052149" y="483812"/>
-            <a:ext cx="5039702" cy="3818024"/>
-          </a:xfrm>
-          <a:prstGeom prst="rect">
-            <a:avLst/>
-          </a:prstGeom>
-        </p:spPr>
-      </p:pic>
-    </p:spTree>
-    <p:extLst>
-      <p:ext uri="{BB962C8B-B14F-4D97-AF65-F5344CB8AC3E}">
-        <p14:creationId xmlns:p14="http://schemas.microsoft.com/office/powerpoint/2010/main" val="2931238301"/>
-      </p:ext>
-    </p:extLst>
-  </p:cSld>
-  <p:clrMapOvr>
-    <a:masterClrMapping/>
-  </p:clrMapOvr>
-</p:sld>
-</file>
-
-<file path=ppt/slides/slide13.xml><?xml version="1.0" encoding="utf-8"?>
+<file path=ppt/slides/slide14.xml><?xml version="1.0" encoding="utf-8"?>
 <p:sld xmlns:a="http://schemas.openxmlformats.org/drawingml/2006/main" xmlns:r="http://schemas.openxmlformats.org/officeDocument/2006/relationships" xmlns:p="http://schemas.openxmlformats.org/presentationml/2006/main">
   <p:cSld>
     <p:spTree>
@@ -15132,104 +15341,82 @@
           <a:chExt cx="0" cy="0"/>
         </a:xfrm>
       </p:grpSpPr>
-      <p:sp>
-        <p:nvSpPr>
-          <p:cNvPr id="598" name="Google Shape;598;p43"/>
-          <p:cNvSpPr/>
+      <p:pic>
+        <p:nvPicPr>
+          <p:cNvPr id="3" name="Picture 2">
+            <a:extLst>
+              <a:ext uri="{FF2B5EF4-FFF2-40B4-BE49-F238E27FC236}">
+                <a16:creationId xmlns:a16="http://schemas.microsoft.com/office/drawing/2014/main" id="{9E6C1B81-AA5E-4788-AAEC-B8538A04989A}"/>
+              </a:ext>
+            </a:extLst>
+          </p:cNvPr>
+          <p:cNvPicPr/>
           <p:nvPr/>
-        </p:nvSpPr>
+        </p:nvPicPr>
+        <p:blipFill>
+          <a:blip r:embed="rId3"/>
+          <a:stretch>
+            <a:fillRect/>
+          </a:stretch>
+        </p:blipFill>
         <p:spPr>
           <a:xfrm>
-            <a:off x="1745400" y="529000"/>
-            <a:ext cx="5653200" cy="496500"/>
-          </a:xfrm>
-          <a:prstGeom prst="roundRect">
-            <a:avLst>
-              <a:gd name="adj" fmla="val 50000"/>
-            </a:avLst>
-          </a:prstGeom>
-          <a:noFill/>
-          <a:ln w="9525" cap="flat" cmpd="sng">
-            <a:solidFill>
-              <a:schemeClr val="lt1"/>
-            </a:solidFill>
-            <a:prstDash val="solid"/>
-            <a:round/>
-            <a:headEnd type="none" w="sm" len="sm"/>
-            <a:tailEnd type="none" w="sm" len="sm"/>
-          </a:ln>
-        </p:spPr>
-        <p:txBody>
-          <a:bodyPr spcFirstLastPara="1" wrap="square" lIns="91425" tIns="91425" rIns="91425" bIns="91425" anchor="ctr" anchorCtr="0">
-            <a:noAutofit/>
-          </a:bodyPr>
-          <a:lstStyle/>
-          <a:p>
-            <a:pPr marL="0" lvl="0" indent="0" algn="l" rtl="0">
-              <a:spcBef>
-                <a:spcPts val="0"/>
-              </a:spcBef>
-              <a:spcAft>
-                <a:spcPts val="0"/>
-              </a:spcAft>
-              <a:buNone/>
-            </a:pPr>
-            <a:endParaRPr/>
-          </a:p>
-        </p:txBody>
-      </p:sp>
-      <p:sp>
-        <p:nvSpPr>
-          <p:cNvPr id="603" name="Google Shape;603;p43"/>
-          <p:cNvSpPr txBox="1">
-            <a:spLocks noGrp="1"/>
-          </p:cNvSpPr>
-          <p:nvPr>
-            <p:ph type="title"/>
-          </p:nvPr>
-        </p:nvSpPr>
-        <p:spPr>
-          <a:xfrm>
-            <a:off x="713225" y="548650"/>
-            <a:ext cx="7717500" cy="457200"/>
+            <a:off x="1706245" y="1432242"/>
+            <a:ext cx="5731510" cy="2279015"/>
           </a:xfrm>
           <a:prstGeom prst="rect">
             <a:avLst/>
           </a:prstGeom>
         </p:spPr>
-        <p:txBody>
-          <a:bodyPr spcFirstLastPara="1" wrap="square" lIns="91425" tIns="91425" rIns="91425" bIns="91425" anchor="ctr" anchorCtr="0">
-            <a:noAutofit/>
-          </a:bodyPr>
-          <a:lstStyle/>
-          <a:p>
-            <a:pPr marL="0" lvl="0" indent="0" algn="ctr" rtl="0">
-              <a:spcBef>
-                <a:spcPts val="0"/>
-              </a:spcBef>
-              <a:spcAft>
-                <a:spcPts val="0"/>
-              </a:spcAft>
-              <a:buNone/>
-            </a:pPr>
-            <a:r>
-              <a:rPr lang="sr-Latn-RS" dirty="0"/>
-              <a:t>Distribuirani skupovi replika</a:t>
-            </a:r>
-            <a:endParaRPr dirty="0">
-              <a:solidFill>
-                <a:schemeClr val="dk2"/>
-              </a:solidFill>
-            </a:endParaRPr>
-          </a:p>
-        </p:txBody>
-      </p:sp>
+      </p:pic>
+    </p:spTree>
+    <p:extLst>
+      <p:ext uri="{BB962C8B-B14F-4D97-AF65-F5344CB8AC3E}">
+        <p14:creationId xmlns:p14="http://schemas.microsoft.com/office/powerpoint/2010/main" val="944583292"/>
+      </p:ext>
+    </p:extLst>
+  </p:cSld>
+  <p:clrMapOvr>
+    <a:masterClrMapping/>
+  </p:clrMapOvr>
+  <mc:AlternateContent xmlns:mc="http://schemas.openxmlformats.org/markup-compatibility/2006" xmlns:p14="http://schemas.microsoft.com/office/powerpoint/2010/main">
+    <mc:Choice Requires="p14">
+      <p:transition spd="slow" p14:dur="1600">
+        <p14:gallery dir="l"/>
+      </p:transition>
+    </mc:Choice>
+    <mc:Fallback xmlns="">
+      <p:transition spd="slow">
+        <p:fade/>
+      </p:transition>
+    </mc:Fallback>
+  </mc:AlternateContent>
+</p:sld>
+</file>
+
+<file path=ppt/slides/slide15.xml><?xml version="1.0" encoding="utf-8"?>
+<p:sld xmlns:a="http://schemas.openxmlformats.org/drawingml/2006/main" xmlns:r="http://schemas.openxmlformats.org/officeDocument/2006/relationships" xmlns:p="http://schemas.openxmlformats.org/presentationml/2006/main">
+  <p:cSld>
+    <p:spTree>
+      <p:nvGrpSpPr>
+        <p:cNvPr id="1" name="Shape 597"/>
+        <p:cNvGrpSpPr/>
+        <p:nvPr/>
+      </p:nvGrpSpPr>
+      <p:grpSpPr>
+        <a:xfrm>
+          <a:off x="0" y="0"/>
+          <a:ext cx="0" cy="0"/>
+          <a:chOff x="0" y="0"/>
+          <a:chExt cx="0" cy="0"/>
+        </a:xfrm>
+      </p:grpSpPr>
       <p:pic>
         <p:nvPicPr>
-          <p:cNvPr id="5" name="Graphic 12">
+          <p:cNvPr id="6" name="Picture 5">
             <a:extLst>
               <a:ext uri="{FF2B5EF4-FFF2-40B4-BE49-F238E27FC236}">
-                <a16:creationId xmlns:a16="http://schemas.microsoft.com/office/drawing/2014/main" id="{3EF1B61F-7254-DED7-CF5D-2BB6A9D0E781}"/>
+                <a16:creationId xmlns:a16="http://schemas.microsoft.com/office/drawing/2014/main" id="{00C42F7F-5880-41AE-B5CF-95BDF279F7E6}"/>
               </a:ext>
             </a:extLst>
           </p:cNvPr>
@@ -15239,24 +15426,15 @@
           <p:nvPr/>
         </p:nvPicPr>
         <p:blipFill>
-          <a:blip r:embed="rId3">
-            <a:extLst>
-              <a:ext uri="{28A0092B-C50C-407E-A947-70E740481C1C}">
-                <a14:useLocalDpi xmlns:a14="http://schemas.microsoft.com/office/drawing/2010/main" val="0"/>
-              </a:ext>
-              <a:ext uri="{96DAC541-7B7A-43D3-8B79-37D633B846F1}">
-                <asvg:svgBlip xmlns:asvg="http://schemas.microsoft.com/office/drawing/2016/SVG/main" r:embed="rId4"/>
-              </a:ext>
-            </a:extLst>
-          </a:blip>
+          <a:blip r:embed="rId3"/>
           <a:stretch>
             <a:fillRect/>
           </a:stretch>
         </p:blipFill>
         <p:spPr>
           <a:xfrm>
-            <a:off x="1706245" y="1642427"/>
-            <a:ext cx="5731510" cy="1858645"/>
+            <a:off x="0" y="764895"/>
+            <a:ext cx="9144000" cy="3613709"/>
           </a:xfrm>
           <a:prstGeom prst="rect">
             <a:avLst/>
@@ -15288,12 +15466,12 @@
 </p:sld>
 </file>
 
-<file path=ppt/slides/slide14.xml><?xml version="1.0" encoding="utf-8"?>
+<file path=ppt/slides/slide16.xml><?xml version="1.0" encoding="utf-8"?>
 <p:sld xmlns:a="http://schemas.openxmlformats.org/drawingml/2006/main" xmlns:r="http://schemas.openxmlformats.org/officeDocument/2006/relationships" xmlns:p="http://schemas.openxmlformats.org/presentationml/2006/main">
   <p:cSld>
     <p:spTree>
       <p:nvGrpSpPr>
-        <p:cNvPr id="1" name="Shape 1096"/>
+        <p:cNvPr id="1" name="Shape 597"/>
         <p:cNvGrpSpPr/>
         <p:nvPr/>
       </p:nvGrpSpPr>
@@ -15305,245 +15483,40 @@
           <a:chExt cx="0" cy="0"/>
         </a:xfrm>
       </p:grpSpPr>
-      <p:sp>
-        <p:nvSpPr>
-          <p:cNvPr id="1097" name="Google Shape;1097;p63"/>
-          <p:cNvSpPr/>
+      <p:pic>
+        <p:nvPicPr>
+          <p:cNvPr id="3" name="Picture 2">
+            <a:extLst>
+              <a:ext uri="{FF2B5EF4-FFF2-40B4-BE49-F238E27FC236}">
+                <a16:creationId xmlns:a16="http://schemas.microsoft.com/office/drawing/2014/main" id="{02F7A86F-7D95-45A5-8EA0-0BF86A8E58DD}"/>
+              </a:ext>
+            </a:extLst>
+          </p:cNvPr>
+          <p:cNvPicPr>
+            <a:picLocks noChangeAspect="1"/>
+          </p:cNvPicPr>
           <p:nvPr/>
-        </p:nvSpPr>
+        </p:nvPicPr>
+        <p:blipFill>
+          <a:blip r:embed="rId3"/>
+          <a:stretch>
+            <a:fillRect/>
+          </a:stretch>
+        </p:blipFill>
         <p:spPr>
           <a:xfrm>
-            <a:off x="1673398" y="2057550"/>
-            <a:ext cx="1028400" cy="1028400"/>
-          </a:xfrm>
-          <a:prstGeom prst="roundRect">
-            <a:avLst>
-              <a:gd name="adj" fmla="val 31166"/>
-            </a:avLst>
-          </a:prstGeom>
-          <a:noFill/>
-          <a:ln w="9525" cap="flat" cmpd="sng">
-            <a:solidFill>
-              <a:schemeClr val="lt1"/>
-            </a:solidFill>
-            <a:prstDash val="solid"/>
-            <a:round/>
-            <a:headEnd type="none" w="sm" len="sm"/>
-            <a:tailEnd type="none" w="sm" len="sm"/>
-          </a:ln>
-        </p:spPr>
-        <p:txBody>
-          <a:bodyPr spcFirstLastPara="1" wrap="square" lIns="91425" tIns="91425" rIns="91425" bIns="91425" anchor="ctr" anchorCtr="0">
-            <a:noAutofit/>
-          </a:bodyPr>
-          <a:lstStyle/>
-          <a:p>
-            <a:pPr marL="0" lvl="0" indent="0" algn="l" rtl="0">
-              <a:spcBef>
-                <a:spcPts val="0"/>
-              </a:spcBef>
-              <a:spcAft>
-                <a:spcPts val="0"/>
-              </a:spcAft>
-              <a:buNone/>
-            </a:pPr>
-            <a:endParaRPr/>
-          </a:p>
-        </p:txBody>
-      </p:sp>
-      <p:sp>
-        <p:nvSpPr>
-          <p:cNvPr id="1099" name="Google Shape;1099;p63"/>
-          <p:cNvSpPr txBox="1">
-            <a:spLocks noGrp="1"/>
-          </p:cNvSpPr>
-          <p:nvPr>
-            <p:ph type="title"/>
-          </p:nvPr>
-        </p:nvSpPr>
-        <p:spPr>
-          <a:xfrm>
-            <a:off x="2886450" y="2206050"/>
-            <a:ext cx="4632900" cy="731400"/>
+            <a:off x="0" y="693783"/>
+            <a:ext cx="9144000" cy="3755933"/>
           </a:xfrm>
           <a:prstGeom prst="rect">
             <a:avLst/>
           </a:prstGeom>
         </p:spPr>
-        <p:txBody>
-          <a:bodyPr spcFirstLastPara="1" wrap="square" lIns="91425" tIns="91425" rIns="91425" bIns="91425" anchor="ctr" anchorCtr="0">
-            <a:noAutofit/>
-          </a:bodyPr>
-          <a:lstStyle/>
-          <a:p>
-            <a:pPr marL="0" lvl="0" indent="0" algn="l" rtl="0">
-              <a:spcBef>
-                <a:spcPts val="0"/>
-              </a:spcBef>
-              <a:spcAft>
-                <a:spcPts val="0"/>
-              </a:spcAft>
-              <a:buNone/>
-            </a:pPr>
-            <a:r>
-              <a:rPr lang="en-US" dirty="0"/>
-              <a:t>Primer</a:t>
-            </a:r>
-            <a:endParaRPr lang="sr-Latn-RS" dirty="0"/>
-          </a:p>
-        </p:txBody>
-      </p:sp>
-      <p:sp>
-        <p:nvSpPr>
-          <p:cNvPr id="1101" name="Google Shape;1101;p63"/>
-          <p:cNvSpPr txBox="1">
-            <a:spLocks noGrp="1"/>
-          </p:cNvSpPr>
-          <p:nvPr>
-            <p:ph type="title" idx="2"/>
-          </p:nvPr>
-        </p:nvSpPr>
-        <p:spPr>
-          <a:xfrm>
-            <a:off x="1638898" y="2023050"/>
-            <a:ext cx="1097400" cy="1097400"/>
-          </a:xfrm>
-          <a:prstGeom prst="rect">
-            <a:avLst/>
-          </a:prstGeom>
-        </p:spPr>
-        <p:txBody>
-          <a:bodyPr spcFirstLastPara="1" wrap="square" lIns="91425" tIns="91425" rIns="91425" bIns="91425" anchor="ctr" anchorCtr="0">
-            <a:noAutofit/>
-          </a:bodyPr>
-          <a:lstStyle/>
-          <a:p>
-            <a:pPr marL="0" lvl="0" indent="0" algn="ctr" rtl="0">
-              <a:spcBef>
-                <a:spcPts val="0"/>
-              </a:spcBef>
-              <a:spcAft>
-                <a:spcPts val="0"/>
-              </a:spcAft>
-              <a:buNone/>
-            </a:pPr>
-            <a:r>
-              <a:rPr lang="en" dirty="0"/>
-              <a:t>0</a:t>
-            </a:r>
-            <a:r>
-              <a:rPr lang="sr-Latn-RS" dirty="0"/>
-              <a:t>4</a:t>
-            </a:r>
-            <a:endParaRPr dirty="0"/>
-          </a:p>
-        </p:txBody>
-      </p:sp>
-      <p:grpSp>
-        <p:nvGrpSpPr>
-          <p:cNvPr id="1102" name="Google Shape;1102;p63"/>
-          <p:cNvGrpSpPr/>
-          <p:nvPr/>
-        </p:nvGrpSpPr>
-        <p:grpSpPr>
-          <a:xfrm>
-            <a:off x="7458600" y="2721175"/>
-            <a:ext cx="586800" cy="586800"/>
-            <a:chOff x="3589550" y="-1003725"/>
-            <a:chExt cx="586800" cy="586800"/>
-          </a:xfrm>
-        </p:grpSpPr>
-        <p:sp>
-          <p:nvSpPr>
-            <p:cNvPr id="1103" name="Google Shape;1103;p63"/>
-            <p:cNvSpPr/>
-            <p:nvPr/>
-          </p:nvSpPr>
-          <p:spPr>
-            <a:xfrm>
-              <a:off x="3589550" y="-1003725"/>
-              <a:ext cx="586800" cy="586800"/>
-            </a:xfrm>
-            <a:prstGeom prst="ellipse">
-              <a:avLst/>
-            </a:prstGeom>
-            <a:noFill/>
-            <a:ln w="9525" cap="flat" cmpd="sng">
-              <a:solidFill>
-                <a:schemeClr val="lt1"/>
-              </a:solidFill>
-              <a:prstDash val="solid"/>
-              <a:round/>
-              <a:headEnd type="none" w="sm" len="sm"/>
-              <a:tailEnd type="none" w="sm" len="sm"/>
-            </a:ln>
-          </p:spPr>
-          <p:txBody>
-            <a:bodyPr spcFirstLastPara="1" wrap="square" lIns="91425" tIns="91425" rIns="91425" bIns="91425" anchor="ctr" anchorCtr="0">
-              <a:noAutofit/>
-            </a:bodyPr>
-            <a:lstStyle/>
-            <a:p>
-              <a:pPr marL="0" lvl="0" indent="0" algn="l" rtl="0">
-                <a:spcBef>
-                  <a:spcPts val="0"/>
-                </a:spcBef>
-                <a:spcAft>
-                  <a:spcPts val="0"/>
-                </a:spcAft>
-                <a:buNone/>
-              </a:pPr>
-              <a:endParaRPr/>
-            </a:p>
-          </p:txBody>
-        </p:sp>
-        <p:sp>
-          <p:nvSpPr>
-            <p:cNvPr id="1104" name="Google Shape;1104;p63"/>
-            <p:cNvSpPr/>
-            <p:nvPr/>
-          </p:nvSpPr>
-          <p:spPr>
-            <a:xfrm>
-              <a:off x="3778700" y="-814575"/>
-              <a:ext cx="208500" cy="208500"/>
-            </a:xfrm>
-            <a:prstGeom prst="mathPlus">
-              <a:avLst>
-                <a:gd name="adj1" fmla="val 23520"/>
-              </a:avLst>
-            </a:prstGeom>
-            <a:solidFill>
-              <a:schemeClr val="lt1"/>
-            </a:solidFill>
-            <a:ln>
-              <a:noFill/>
-            </a:ln>
-          </p:spPr>
-          <p:txBody>
-            <a:bodyPr spcFirstLastPara="1" wrap="square" lIns="91425" tIns="91425" rIns="91425" bIns="91425" anchor="ctr" anchorCtr="0">
-              <a:noAutofit/>
-            </a:bodyPr>
-            <a:lstStyle/>
-            <a:p>
-              <a:pPr marL="0" lvl="0" indent="0" algn="l" rtl="0">
-                <a:spcBef>
-                  <a:spcPts val="0"/>
-                </a:spcBef>
-                <a:spcAft>
-                  <a:spcPts val="0"/>
-                </a:spcAft>
-                <a:buNone/>
-              </a:pPr>
-              <a:endParaRPr/>
-            </a:p>
-          </p:txBody>
-        </p:sp>
-      </p:grpSp>
+      </p:pic>
     </p:spTree>
     <p:extLst>
       <p:ext uri="{BB962C8B-B14F-4D97-AF65-F5344CB8AC3E}">
-        <p14:creationId xmlns:p14="http://schemas.microsoft.com/office/powerpoint/2010/main" val="3047079186"/>
+        <p14:creationId xmlns:p14="http://schemas.microsoft.com/office/powerpoint/2010/main" val="702688075"/>
       </p:ext>
     </p:extLst>
   </p:cSld>
@@ -15562,138 +15535,6 @@
       </p:transition>
     </mc:Fallback>
   </mc:AlternateContent>
-</p:sld>
-</file>
-
-<file path=ppt/slides/slide15.xml><?xml version="1.0" encoding="utf-8"?>
-<p:sld xmlns:a="http://schemas.openxmlformats.org/drawingml/2006/main" xmlns:r="http://schemas.openxmlformats.org/officeDocument/2006/relationships" xmlns:p="http://schemas.openxmlformats.org/presentationml/2006/main">
-  <p:cSld>
-    <p:spTree>
-      <p:nvGrpSpPr>
-        <p:cNvPr id="1" name=""/>
-        <p:cNvGrpSpPr/>
-        <p:nvPr/>
-      </p:nvGrpSpPr>
-      <p:grpSpPr>
-        <a:xfrm>
-          <a:off x="0" y="0"/>
-          <a:ext cx="0" cy="0"/>
-          <a:chOff x="0" y="0"/>
-          <a:chExt cx="0" cy="0"/>
-        </a:xfrm>
-      </p:grpSpPr>
-      <p:pic>
-        <p:nvPicPr>
-          <p:cNvPr id="5" name="Picture 4" descr="A screenshot of a computer&#10;&#10;Description automatically generated with medium confidence">
-            <a:extLst>
-              <a:ext uri="{FF2B5EF4-FFF2-40B4-BE49-F238E27FC236}">
-                <a16:creationId xmlns:a16="http://schemas.microsoft.com/office/drawing/2014/main" id="{DAC7FAA1-DB39-7686-65BF-5BE77BE041DA}"/>
-              </a:ext>
-            </a:extLst>
-          </p:cNvPr>
-          <p:cNvPicPr>
-            <a:picLocks noChangeAspect="1"/>
-          </p:cNvPicPr>
-          <p:nvPr/>
-        </p:nvPicPr>
-        <p:blipFill>
-          <a:blip r:embed="rId2">
-            <a:extLst>
-              <a:ext uri="{28A0092B-C50C-407E-A947-70E740481C1C}">
-                <a14:useLocalDpi xmlns:a14="http://schemas.microsoft.com/office/drawing/2010/main" val="0"/>
-              </a:ext>
-            </a:extLst>
-          </a:blip>
-          <a:stretch>
-            <a:fillRect/>
-          </a:stretch>
-        </p:blipFill>
-        <p:spPr>
-          <a:xfrm>
-            <a:off x="1706245" y="814387"/>
-            <a:ext cx="5731510" cy="3514725"/>
-          </a:xfrm>
-          <a:prstGeom prst="rect">
-            <a:avLst/>
-          </a:prstGeom>
-        </p:spPr>
-      </p:pic>
-    </p:spTree>
-    <p:extLst>
-      <p:ext uri="{BB962C8B-B14F-4D97-AF65-F5344CB8AC3E}">
-        <p14:creationId xmlns:p14="http://schemas.microsoft.com/office/powerpoint/2010/main" val="3062916806"/>
-      </p:ext>
-    </p:extLst>
-  </p:cSld>
-  <p:clrMapOvr>
-    <a:masterClrMapping/>
-  </p:clrMapOvr>
-</p:sld>
-</file>
-
-<file path=ppt/slides/slide16.xml><?xml version="1.0" encoding="utf-8"?>
-<p:sld xmlns:a="http://schemas.openxmlformats.org/drawingml/2006/main" xmlns:r="http://schemas.openxmlformats.org/officeDocument/2006/relationships" xmlns:p="http://schemas.openxmlformats.org/presentationml/2006/main">
-  <p:cSld>
-    <p:spTree>
-      <p:nvGrpSpPr>
-        <p:cNvPr id="1" name=""/>
-        <p:cNvGrpSpPr/>
-        <p:nvPr/>
-      </p:nvGrpSpPr>
-      <p:grpSpPr>
-        <a:xfrm>
-          <a:off x="0" y="0"/>
-          <a:ext cx="0" cy="0"/>
-          <a:chOff x="0" y="0"/>
-          <a:chExt cx="0" cy="0"/>
-        </a:xfrm>
-      </p:grpSpPr>
-      <p:pic>
-        <p:nvPicPr>
-          <p:cNvPr id="5" name="Picture 4" descr="Diagram&#10;&#10;Description automatically generated">
-            <a:extLst>
-              <a:ext uri="{FF2B5EF4-FFF2-40B4-BE49-F238E27FC236}">
-                <a16:creationId xmlns:a16="http://schemas.microsoft.com/office/drawing/2014/main" id="{DFADE2CB-B2C7-78F0-7B16-5850F715625F}"/>
-              </a:ext>
-            </a:extLst>
-          </p:cNvPr>
-          <p:cNvPicPr>
-            <a:picLocks noChangeAspect="1"/>
-          </p:cNvPicPr>
-          <p:nvPr/>
-        </p:nvPicPr>
-        <p:blipFill>
-          <a:blip r:embed="rId2">
-            <a:extLst>
-              <a:ext uri="{28A0092B-C50C-407E-A947-70E740481C1C}">
-                <a14:useLocalDpi xmlns:a14="http://schemas.microsoft.com/office/drawing/2010/main" val="0"/>
-              </a:ext>
-            </a:extLst>
-          </a:blip>
-          <a:stretch>
-            <a:fillRect/>
-          </a:stretch>
-        </p:blipFill>
-        <p:spPr>
-          <a:xfrm>
-            <a:off x="1706245" y="1055052"/>
-            <a:ext cx="5731510" cy="3033395"/>
-          </a:xfrm>
-          <a:prstGeom prst="rect">
-            <a:avLst/>
-          </a:prstGeom>
-        </p:spPr>
-      </p:pic>
-    </p:spTree>
-    <p:extLst>
-      <p:ext uri="{BB962C8B-B14F-4D97-AF65-F5344CB8AC3E}">
-        <p14:creationId xmlns:p14="http://schemas.microsoft.com/office/powerpoint/2010/main" val="1592805955"/>
-      </p:ext>
-    </p:extLst>
-  </p:cSld>
-  <p:clrMapOvr>
-    <a:masterClrMapping/>
-  </p:clrMapOvr>
 </p:sld>
 </file>
 
@@ -16105,52 +15946,6 @@
       </p:sp>
       <p:sp>
         <p:nvSpPr>
-          <p:cNvPr id="556" name="Google Shape;556;p39"/>
-          <p:cNvSpPr/>
-          <p:nvPr/>
-        </p:nvSpPr>
-        <p:spPr>
-          <a:xfrm>
-            <a:off x="5426520" y="3279265"/>
-            <a:ext cx="676800" cy="676800"/>
-          </a:xfrm>
-          <a:prstGeom prst="roundRect">
-            <a:avLst>
-              <a:gd name="adj" fmla="val 31166"/>
-            </a:avLst>
-          </a:prstGeom>
-          <a:noFill/>
-          <a:ln w="9525" cap="flat" cmpd="sng">
-            <a:solidFill>
-              <a:schemeClr val="lt1"/>
-            </a:solidFill>
-            <a:prstDash val="solid"/>
-            <a:round/>
-            <a:headEnd type="none" w="sm" len="sm"/>
-            <a:tailEnd type="none" w="sm" len="sm"/>
-          </a:ln>
-        </p:spPr>
-        <p:txBody>
-          <a:bodyPr spcFirstLastPara="1" wrap="square" lIns="91425" tIns="91425" rIns="91425" bIns="91425" anchor="ctr" anchorCtr="0">
-            <a:noAutofit/>
-          </a:bodyPr>
-          <a:lstStyle/>
-          <a:p>
-            <a:pPr marL="0" lvl="0" indent="0" algn="l" rtl="0">
-              <a:spcBef>
-                <a:spcPts val="0"/>
-              </a:spcBef>
-              <a:spcAft>
-                <a:spcPts val="0"/>
-              </a:spcAft>
-              <a:buNone/>
-            </a:pPr>
-            <a:endParaRPr/>
-          </a:p>
-        </p:txBody>
-      </p:sp>
-      <p:sp>
-        <p:nvSpPr>
           <p:cNvPr id="557" name="Google Shape;557;p39"/>
           <p:cNvSpPr txBox="1">
             <a:spLocks noGrp="1"/>
@@ -16185,7 +15980,7 @@
             </a:pPr>
             <a:r>
               <a:rPr lang="en-US" dirty="0" err="1"/>
-              <a:t>Skup</a:t>
+              <a:t>Usluge</a:t>
             </a:r>
             <a:r>
               <a:rPr lang="en-US" dirty="0"/>
@@ -16193,9 +15988,25 @@
             </a:r>
             <a:r>
               <a:rPr lang="en-US" dirty="0" err="1"/>
-              <a:t>replika</a:t>
+              <a:t>zasnovane</a:t>
             </a:r>
-            <a:endParaRPr dirty="0"/>
+            <a:r>
+              <a:rPr lang="en-US" dirty="0"/>
+              <a:t> </a:t>
+            </a:r>
+            <a:r>
+              <a:rPr lang="en-US" dirty="0" err="1"/>
+              <a:t>na</a:t>
+            </a:r>
+            <a:r>
+              <a:rPr lang="en-US" dirty="0"/>
+              <a:t> </a:t>
+            </a:r>
+            <a:r>
+              <a:rPr lang="en-US" dirty="0" err="1"/>
+              <a:t>oblaku</a:t>
+            </a:r>
+            <a:endParaRPr lang="en-US" dirty="0"/>
           </a:p>
         </p:txBody>
       </p:sp>
@@ -16226,8 +16037,8 @@
           <a:p>
             <a:pPr marL="0" indent="0"/>
             <a:r>
-              <a:rPr lang="en-US" dirty="0" err="1"/>
-              <a:t>Oplog</a:t>
+              <a:rPr lang="en-US" dirty="0"/>
+              <a:t>DBaaS</a:t>
             </a:r>
             <a:endParaRPr lang="sr-Latn-RS" dirty="0"/>
           </a:p>
@@ -16343,18 +16154,18 @@
           <a:lstStyle/>
           <a:p>
             <a:pPr marL="0" indent="0"/>
-            <a:r>
-              <a:rPr lang="en-US" dirty="0" err="1"/>
-              <a:t>Sinhronizacija</a:t>
-            </a:r>
+            <a:endParaRPr lang="en-US" dirty="0"/>
+          </a:p>
+          <a:p>
+            <a:pPr marL="0" indent="0"/>
             <a:r>
               <a:rPr lang="en-US" dirty="0"/>
-              <a:t> </a:t>
+              <a:t>MongoDB Atlas</a:t>
             </a:r>
-            <a:r>
-              <a:rPr lang="en-US" dirty="0" err="1"/>
-              <a:t>podataka</a:t>
-            </a:r>
+            <a:endParaRPr lang="sr-Latn-RS" dirty="0"/>
+          </a:p>
+          <a:p>
+            <a:pPr marL="0" indent="0"/>
             <a:endParaRPr lang="sr-Latn-RS" dirty="0"/>
           </a:p>
         </p:txBody>
@@ -16396,48 +16207,6 @@
             <a:r>
               <a:rPr lang="en"/>
               <a:t>03</a:t>
-            </a:r>
-            <a:endParaRPr/>
-          </a:p>
-        </p:txBody>
-      </p:sp>
-      <p:sp>
-        <p:nvSpPr>
-          <p:cNvPr id="567" name="Google Shape;567;p39"/>
-          <p:cNvSpPr txBox="1">
-            <a:spLocks noGrp="1"/>
-          </p:cNvSpPr>
-          <p:nvPr>
-            <p:ph type="title" idx="15"/>
-          </p:nvPr>
-        </p:nvSpPr>
-        <p:spPr>
-          <a:xfrm>
-            <a:off x="5472270" y="3325015"/>
-            <a:ext cx="585300" cy="585300"/>
-          </a:xfrm>
-          <a:prstGeom prst="rect">
-            <a:avLst/>
-          </a:prstGeom>
-        </p:spPr>
-        <p:txBody>
-          <a:bodyPr spcFirstLastPara="1" wrap="square" lIns="0" tIns="91425" rIns="0" bIns="91425" anchor="ctr" anchorCtr="0">
-            <a:noAutofit/>
-          </a:bodyPr>
-          <a:lstStyle/>
-          <a:p>
-            <a:pPr marL="0" lvl="0" indent="0" algn="ctr" rtl="0">
-              <a:spcBef>
-                <a:spcPts val="0"/>
-              </a:spcBef>
-              <a:spcAft>
-                <a:spcPts val="0"/>
-              </a:spcAft>
-              <a:buNone/>
-            </a:pPr>
-            <a:r>
-              <a:rPr lang="en"/>
-              <a:t>04</a:t>
             </a:r>
             <a:endParaRPr/>
           </a:p>
@@ -16480,48 +16249,6 @@
             <a:r>
               <a:rPr lang="sr-Latn-RS" dirty="0"/>
               <a:t>Sadržaj</a:t>
-            </a:r>
-            <a:endParaRPr dirty="0"/>
-          </a:p>
-        </p:txBody>
-      </p:sp>
-      <p:sp>
-        <p:nvSpPr>
-          <p:cNvPr id="569" name="Google Shape;569;p39"/>
-          <p:cNvSpPr txBox="1">
-            <a:spLocks noGrp="1"/>
-          </p:cNvSpPr>
-          <p:nvPr>
-            <p:ph type="subTitle" idx="9"/>
-          </p:nvPr>
-        </p:nvSpPr>
-        <p:spPr>
-          <a:xfrm>
-            <a:off x="6144900" y="3503365"/>
-            <a:ext cx="2998800" cy="228600"/>
-          </a:xfrm>
-          <a:prstGeom prst="rect">
-            <a:avLst/>
-          </a:prstGeom>
-        </p:spPr>
-        <p:txBody>
-          <a:bodyPr spcFirstLastPara="1" wrap="square" lIns="91425" tIns="91425" rIns="91425" bIns="91425" anchor="ctr" anchorCtr="0">
-            <a:noAutofit/>
-          </a:bodyPr>
-          <a:lstStyle/>
-          <a:p>
-            <a:pPr marL="0" lvl="0" indent="0" algn="l" rtl="0">
-              <a:spcBef>
-                <a:spcPts val="0"/>
-              </a:spcBef>
-              <a:spcAft>
-                <a:spcPts val="0"/>
-              </a:spcAft>
-              <a:buNone/>
-            </a:pPr>
-            <a:r>
-              <a:rPr lang="en-US" dirty="0"/>
-              <a:t>Primer</a:t>
             </a:r>
             <a:endParaRPr dirty="0"/>
           </a:p>
@@ -16622,7 +16349,7 @@
         </p:nvSpPr>
         <p:spPr>
           <a:xfrm>
-            <a:off x="927300" y="2380502"/>
+            <a:off x="927300" y="2571750"/>
             <a:ext cx="7289400" cy="914400"/>
           </a:xfrm>
           <a:prstGeom prst="rect">
@@ -16635,9 +16362,18 @@
           </a:bodyPr>
           <a:lstStyle/>
           <a:p>
+            <a:pPr marL="0" lvl="0" indent="0" rtl="0">
+              <a:spcBef>
+                <a:spcPts val="0"/>
+              </a:spcBef>
+              <a:spcAft>
+                <a:spcPts val="0"/>
+              </a:spcAft>
+              <a:buNone/>
+            </a:pPr>
             <a:r>
               <a:rPr lang="en-US" dirty="0" err="1"/>
-              <a:t>Skup</a:t>
+              <a:t>Usluge</a:t>
             </a:r>
             <a:r>
               <a:rPr lang="en-US" dirty="0"/>
@@ -16645,9 +16381,25 @@
             </a:r>
             <a:r>
               <a:rPr lang="en-US" dirty="0" err="1"/>
-              <a:t>replika</a:t>
+              <a:t>zasnovane</a:t>
             </a:r>
-            <a:endParaRPr dirty="0"/>
+            <a:r>
+              <a:rPr lang="en-US" dirty="0"/>
+              <a:t> </a:t>
+            </a:r>
+            <a:r>
+              <a:rPr lang="en-US" dirty="0" err="1"/>
+              <a:t>na</a:t>
+            </a:r>
+            <a:r>
+              <a:rPr lang="en-US" dirty="0"/>
+              <a:t> </a:t>
+            </a:r>
+            <a:r>
+              <a:rPr lang="en-US" dirty="0" err="1"/>
+              <a:t>oblaku</a:t>
+            </a:r>
+            <a:endParaRPr lang="en-US" dirty="0"/>
           </a:p>
         </p:txBody>
       </p:sp>
@@ -16812,7 +16564,7 @@
             </a:pPr>
             <a:r>
               <a:rPr lang="sr-Latn-RS" dirty="0"/>
-              <a:t>Članovi skupa replika</a:t>
+              <a:t>Vrste računarstva u oblaku</a:t>
             </a:r>
             <a:endParaRPr dirty="0">
               <a:latin typeface="Nunito Sans"/>
@@ -16835,7 +16587,7 @@
         </p:nvSpPr>
         <p:spPr>
           <a:xfrm>
-            <a:off x="1504856" y="1263113"/>
+            <a:off x="1854899" y="1556007"/>
             <a:ext cx="5662800" cy="2151600"/>
           </a:xfrm>
           <a:prstGeom prst="rect">
@@ -16867,7 +16619,23 @@
                 <a:latin typeface="Montserrat Alternates ExtraBold" panose="020B0604020202020204" charset="0"/>
                 <a:ea typeface="NSimSun" panose="02010609030101010101" pitchFamily="49" charset="-122"/>
               </a:rPr>
-              <a:t>Primar</a:t>
+              <a:t>	Softver kao usluga (</a:t>
+            </a:r>
+            <a:r>
+              <a:rPr lang="sr-Latn-RS" dirty="0" err="1">
+                <a:effectLst/>
+                <a:latin typeface="Montserrat Alternates ExtraBold" panose="020B0604020202020204" charset="0"/>
+                <a:ea typeface="NSimSun" panose="02010609030101010101" pitchFamily="49" charset="-122"/>
+              </a:rPr>
+              <a:t>SaaS</a:t>
+            </a:r>
+            <a:r>
+              <a:rPr lang="sr-Latn-RS" dirty="0">
+                <a:effectLst/>
+                <a:latin typeface="Montserrat Alternates ExtraBold" panose="020B0604020202020204" charset="0"/>
+                <a:ea typeface="NSimSun" panose="02010609030101010101" pitchFamily="49" charset="-122"/>
+              </a:rPr>
+              <a:t>)</a:t>
             </a:r>
           </a:p>
           <a:p>
@@ -16885,10 +16653,28 @@
               <a:buChar char="v"/>
             </a:pPr>
             <a:r>
-              <a:rPr lang="pl-PL" dirty="0">
+              <a:rPr lang="sr-Latn-RS" dirty="0">
+                <a:effectLst/>
                 <a:latin typeface="Montserrat Alternates ExtraBold" panose="020B0604020202020204" charset="0"/>
+                <a:ea typeface="NSimSun" panose="02010609030101010101" pitchFamily="49" charset="-122"/>
               </a:rPr>
-              <a:t>Sekundar</a:t>
+              <a:t>	Platforma kao usluga (</a:t>
+            </a:r>
+            <a:r>
+              <a:rPr lang="sr-Latn-RS" dirty="0" err="1">
+                <a:effectLst/>
+                <a:latin typeface="Montserrat Alternates ExtraBold" panose="020B0604020202020204" charset="0"/>
+                <a:ea typeface="NSimSun" panose="02010609030101010101" pitchFamily="49" charset="-122"/>
+              </a:rPr>
+              <a:t>PaaS</a:t>
+            </a:r>
+            <a:r>
+              <a:rPr lang="sr-Latn-RS" dirty="0">
+                <a:effectLst/>
+                <a:latin typeface="Montserrat Alternates ExtraBold" panose="020B0604020202020204" charset="0"/>
+                <a:ea typeface="NSimSun" panose="02010609030101010101" pitchFamily="49" charset="-122"/>
+              </a:rPr>
+              <a:t>)</a:t>
             </a:r>
           </a:p>
           <a:p>
@@ -16906,56 +16692,110 @@
               <a:buChar char="v"/>
             </a:pPr>
             <a:r>
-              <a:rPr lang="pl-PL" dirty="0">
+              <a:rPr lang="sr-Latn-RS" dirty="0">
+                <a:effectLst/>
                 <a:latin typeface="Montserrat Alternates ExtraBold" panose="020B0604020202020204" charset="0"/>
+                <a:ea typeface="NSimSun" panose="02010609030101010101" pitchFamily="49" charset="-122"/>
               </a:rPr>
-              <a:t>Arbitar </a:t>
+              <a:t>	Infrastruktura kao usluga (</a:t>
             </a:r>
-            <a:endParaRPr lang="en-US" dirty="0">
-              <a:latin typeface="Montserrat Alternates ExtraBold" panose="020B0604020202020204" charset="0"/>
-            </a:endParaRPr>
+            <a:r>
+              <a:rPr lang="sr-Latn-RS" dirty="0" err="1">
+                <a:effectLst/>
+                <a:latin typeface="Montserrat Alternates ExtraBold" panose="020B0604020202020204" charset="0"/>
+                <a:ea typeface="NSimSun" panose="02010609030101010101" pitchFamily="49" charset="-122"/>
+              </a:rPr>
+              <a:t>IaaS</a:t>
+            </a:r>
+            <a:r>
+              <a:rPr lang="sr-Latn-RS" dirty="0">
+                <a:effectLst/>
+                <a:latin typeface="Montserrat Alternates ExtraBold" panose="020B0604020202020204" charset="0"/>
+                <a:ea typeface="NSimSun" panose="02010609030101010101" pitchFamily="49" charset="-122"/>
+              </a:rPr>
+              <a:t>)</a:t>
+            </a:r>
+          </a:p>
+          <a:p>
+            <a:pPr marL="285750" lvl="0" indent="-285750" algn="l" rtl="0">
+              <a:lnSpc>
+                <a:spcPct val="200000"/>
+              </a:lnSpc>
+              <a:spcBef>
+                <a:spcPts val="0"/>
+              </a:spcBef>
+              <a:spcAft>
+                <a:spcPts val="0"/>
+              </a:spcAft>
+              <a:buFont typeface="Wingdings" panose="05000000000000000000" pitchFamily="2" charset="2"/>
+              <a:buChar char="v"/>
+            </a:pPr>
+            <a:r>
+              <a:rPr lang="sr-Latn-RS" dirty="0">
+                <a:effectLst/>
+                <a:latin typeface="Montserrat Alternates ExtraBold" panose="020B0604020202020204" charset="0"/>
+                <a:ea typeface="NSimSun" panose="02010609030101010101" pitchFamily="49" charset="-122"/>
+              </a:rPr>
+              <a:t>	Bilo šta kao usluga (</a:t>
+            </a:r>
+            <a:r>
+              <a:rPr lang="sr-Latn-RS" dirty="0" err="1">
+                <a:effectLst/>
+                <a:latin typeface="Montserrat Alternates ExtraBold" panose="020B0604020202020204" charset="0"/>
+                <a:ea typeface="NSimSun" panose="02010609030101010101" pitchFamily="49" charset="-122"/>
+              </a:rPr>
+              <a:t>XaaS</a:t>
+            </a:r>
+            <a:r>
+              <a:rPr lang="sr-Latn-RS" dirty="0">
+                <a:effectLst/>
+                <a:latin typeface="Montserrat Alternates ExtraBold" panose="020B0604020202020204" charset="0"/>
+                <a:ea typeface="NSimSun" panose="02010609030101010101" pitchFamily="49" charset="-122"/>
+              </a:rPr>
+              <a:t>)</a:t>
+            </a:r>
+          </a:p>
+          <a:p>
+            <a:pPr marL="285750" lvl="0" indent="-285750" algn="l" rtl="0">
+              <a:lnSpc>
+                <a:spcPct val="200000"/>
+              </a:lnSpc>
+              <a:spcBef>
+                <a:spcPts val="0"/>
+              </a:spcBef>
+              <a:spcAft>
+                <a:spcPts val="0"/>
+              </a:spcAft>
+              <a:buFont typeface="Wingdings" panose="05000000000000000000" pitchFamily="2" charset="2"/>
+              <a:buChar char="v"/>
+            </a:pPr>
+            <a:r>
+              <a:rPr lang="sr-Latn-RS" dirty="0">
+                <a:effectLst/>
+                <a:latin typeface="Montserrat Alternates ExtraBold" panose="020B0604020202020204" charset="0"/>
+                <a:ea typeface="NSimSun" panose="02010609030101010101" pitchFamily="49" charset="-122"/>
+              </a:rPr>
+              <a:t>	Funkcija kao usluga (</a:t>
+            </a:r>
+            <a:r>
+              <a:rPr lang="sr-Latn-RS" dirty="0" err="1">
+                <a:effectLst/>
+                <a:latin typeface="Montserrat Alternates ExtraBold" panose="020B0604020202020204" charset="0"/>
+                <a:ea typeface="NSimSun" panose="02010609030101010101" pitchFamily="49" charset="-122"/>
+              </a:rPr>
+              <a:t>FaaS</a:t>
+            </a:r>
+            <a:r>
+              <a:rPr lang="sr-Latn-RS" dirty="0">
+                <a:effectLst/>
+                <a:latin typeface="Montserrat Alternates ExtraBold" panose="020B0604020202020204" charset="0"/>
+                <a:ea typeface="NSimSun" panose="02010609030101010101" pitchFamily="49" charset="-122"/>
+              </a:rPr>
+              <a:t>)</a:t>
+            </a:r>
           </a:p>
         </p:txBody>
       </p:sp>
-      <p:pic>
-        <p:nvPicPr>
-          <p:cNvPr id="9" name="Graphic 5">
-            <a:extLst>
-              <a:ext uri="{FF2B5EF4-FFF2-40B4-BE49-F238E27FC236}">
-                <a16:creationId xmlns:a16="http://schemas.microsoft.com/office/drawing/2014/main" id="{1856E535-9D38-E3D9-499F-9C1FF10D1282}"/>
-              </a:ext>
-            </a:extLst>
-          </p:cNvPr>
-          <p:cNvPicPr>
-            <a:picLocks noChangeAspect="1"/>
-          </p:cNvPicPr>
-          <p:nvPr/>
-        </p:nvPicPr>
-        <p:blipFill>
-          <a:blip r:embed="rId3">
-            <a:extLst>
-              <a:ext uri="{28A0092B-C50C-407E-A947-70E740481C1C}">
-                <a14:useLocalDpi xmlns:a14="http://schemas.microsoft.com/office/drawing/2010/main" val="0"/>
-              </a:ext>
-              <a:ext uri="{96DAC541-7B7A-43D3-8B79-37D633B846F1}">
-                <asvg:svgBlip xmlns:asvg="http://schemas.microsoft.com/office/drawing/2016/SVG/main" r:embed="rId4"/>
-              </a:ext>
-            </a:extLst>
-          </a:blip>
-          <a:stretch>
-            <a:fillRect/>
-          </a:stretch>
-        </p:blipFill>
-        <p:spPr>
-          <a:xfrm>
-            <a:off x="2960081" y="1549833"/>
-            <a:ext cx="5731510" cy="2168525"/>
-          </a:xfrm>
-          <a:prstGeom prst="rect">
-            <a:avLst/>
-          </a:prstGeom>
-        </p:spPr>
-      </p:pic>
     </p:spTree>
   </p:cSld>
   <p:clrMapOvr>
@@ -17066,10 +16906,9 @@
           <a:p>
             <a:pPr marL="0" indent="0"/>
             <a:r>
-              <a:rPr lang="en-US" dirty="0" err="1"/>
-              <a:t>Oplog</a:t>
+              <a:rPr lang="sr-Latn-RS" dirty="0"/>
+              <a:t>Baza podataka kao usluga</a:t>
             </a:r>
-            <a:endParaRPr lang="sr-Latn-RS" dirty="0"/>
           </a:p>
         </p:txBody>
       </p:sp>
@@ -17334,8 +17173,8 @@
               <a:buNone/>
             </a:pPr>
             <a:r>
-              <a:rPr lang="sr-Latn-RS" dirty="0"/>
-              <a:t>Veličina oploga</a:t>
+              <a:rPr lang="en-US" dirty="0" err="1"/>
+              <a:t>Prednosti</a:t>
             </a:r>
             <a:endParaRPr dirty="0">
               <a:solidFill>
@@ -17345,36 +17184,350 @@
           </a:p>
         </p:txBody>
       </p:sp>
-      <p:pic>
-        <p:nvPicPr>
-          <p:cNvPr id="8" name="Picture 7">
+      <p:sp>
+        <p:nvSpPr>
+          <p:cNvPr id="5" name="Google Shape;593;p42">
             <a:extLst>
               <a:ext uri="{FF2B5EF4-FFF2-40B4-BE49-F238E27FC236}">
-                <a16:creationId xmlns:a16="http://schemas.microsoft.com/office/drawing/2014/main" id="{2E51D8F7-4279-6113-EF71-719A922CEC88}"/>
+                <a16:creationId xmlns:a16="http://schemas.microsoft.com/office/drawing/2014/main" id="{A8DB7E3E-F1A8-4C76-A05F-63B670224D13}"/>
               </a:ext>
             </a:extLst>
           </p:cNvPr>
-          <p:cNvPicPr>
-            <a:picLocks noChangeAspect="1"/>
-          </p:cNvPicPr>
+          <p:cNvSpPr txBox="1">
+            <a:spLocks/>
+          </p:cNvSpPr>
           <p:nvPr/>
-        </p:nvPicPr>
-        <p:blipFill>
-          <a:blip r:embed="rId3"/>
-          <a:stretch>
-            <a:fillRect/>
-          </a:stretch>
-        </p:blipFill>
+        </p:nvSpPr>
         <p:spPr>
           <a:xfrm>
-            <a:off x="1699260" y="1656588"/>
-            <a:ext cx="5745480" cy="1830324"/>
+            <a:off x="1854899" y="1556007"/>
+            <a:ext cx="5662800" cy="2151600"/>
           </a:xfrm>
           <a:prstGeom prst="rect">
             <a:avLst/>
           </a:prstGeom>
-        </p:spPr>
-      </p:pic>
+          <a:noFill/>
+          <a:ln>
+            <a:noFill/>
+          </a:ln>
+        </p:spPr>
+        <p:txBody>
+          <a:bodyPr spcFirstLastPara="1" wrap="square" lIns="91425" tIns="91425" rIns="91425" bIns="91425" anchor="ctr" anchorCtr="0">
+            <a:noAutofit/>
+          </a:bodyPr>
+          <a:lstStyle>
+            <a:defPPr marR="0" lvl="0" algn="l" rtl="0">
+              <a:lnSpc>
+                <a:spcPct val="100000"/>
+              </a:lnSpc>
+              <a:spcBef>
+                <a:spcPts val="0"/>
+              </a:spcBef>
+              <a:spcAft>
+                <a:spcPts val="0"/>
+              </a:spcAft>
+            </a:defPPr>
+            <a:lvl1pPr marL="457200" marR="0" lvl="0" indent="-330200" algn="ctr" rtl="0">
+              <a:lnSpc>
+                <a:spcPct val="100000"/>
+              </a:lnSpc>
+              <a:spcBef>
+                <a:spcPts val="0"/>
+              </a:spcBef>
+              <a:spcAft>
+                <a:spcPts val="0"/>
+              </a:spcAft>
+              <a:buClr>
+                <a:schemeClr val="accent5"/>
+              </a:buClr>
+              <a:buSzPts val="1600"/>
+              <a:buFont typeface="Alef"/>
+              <a:buNone/>
+              <a:defRPr sz="2000" b="0" i="0" u="none" strike="noStrike" cap="none">
+                <a:solidFill>
+                  <a:schemeClr val="lt1"/>
+                </a:solidFill>
+                <a:latin typeface="Montserrat Alternates ExtraBold"/>
+                <a:ea typeface="Montserrat Alternates ExtraBold"/>
+                <a:cs typeface="Montserrat Alternates ExtraBold"/>
+                <a:sym typeface="Montserrat Alternates ExtraBold"/>
+              </a:defRPr>
+            </a:lvl1pPr>
+            <a:lvl2pPr marL="914400" marR="0" lvl="1" indent="-330200" algn="l" rtl="0">
+              <a:lnSpc>
+                <a:spcPct val="100000"/>
+              </a:lnSpc>
+              <a:spcBef>
+                <a:spcPts val="0"/>
+              </a:spcBef>
+              <a:spcAft>
+                <a:spcPts val="0"/>
+              </a:spcAft>
+              <a:buClr>
+                <a:schemeClr val="accent5"/>
+              </a:buClr>
+              <a:buSzPts val="1600"/>
+              <a:buFont typeface="Alef"/>
+              <a:buNone/>
+              <a:defRPr sz="1600" b="1" i="0" u="none" strike="noStrike" cap="none">
+                <a:solidFill>
+                  <a:schemeClr val="accent5"/>
+                </a:solidFill>
+                <a:latin typeface="Alef"/>
+                <a:ea typeface="Alef"/>
+                <a:cs typeface="Alef"/>
+                <a:sym typeface="Alef"/>
+              </a:defRPr>
+            </a:lvl2pPr>
+            <a:lvl3pPr marL="1371600" marR="0" lvl="2" indent="-330200" algn="l" rtl="0">
+              <a:lnSpc>
+                <a:spcPct val="100000"/>
+              </a:lnSpc>
+              <a:spcBef>
+                <a:spcPts val="0"/>
+              </a:spcBef>
+              <a:spcAft>
+                <a:spcPts val="0"/>
+              </a:spcAft>
+              <a:buClr>
+                <a:schemeClr val="accent5"/>
+              </a:buClr>
+              <a:buSzPts val="1600"/>
+              <a:buFont typeface="Alef"/>
+              <a:buNone/>
+              <a:defRPr sz="1600" b="1" i="0" u="none" strike="noStrike" cap="none">
+                <a:solidFill>
+                  <a:schemeClr val="accent5"/>
+                </a:solidFill>
+                <a:latin typeface="Alef"/>
+                <a:ea typeface="Alef"/>
+                <a:cs typeface="Alef"/>
+                <a:sym typeface="Alef"/>
+              </a:defRPr>
+            </a:lvl3pPr>
+            <a:lvl4pPr marL="1828800" marR="0" lvl="3" indent="-330200" algn="l" rtl="0">
+              <a:lnSpc>
+                <a:spcPct val="100000"/>
+              </a:lnSpc>
+              <a:spcBef>
+                <a:spcPts val="0"/>
+              </a:spcBef>
+              <a:spcAft>
+                <a:spcPts val="0"/>
+              </a:spcAft>
+              <a:buClr>
+                <a:schemeClr val="accent5"/>
+              </a:buClr>
+              <a:buSzPts val="1600"/>
+              <a:buFont typeface="Alef"/>
+              <a:buNone/>
+              <a:defRPr sz="1600" b="1" i="0" u="none" strike="noStrike" cap="none">
+                <a:solidFill>
+                  <a:schemeClr val="accent5"/>
+                </a:solidFill>
+                <a:latin typeface="Alef"/>
+                <a:ea typeface="Alef"/>
+                <a:cs typeface="Alef"/>
+                <a:sym typeface="Alef"/>
+              </a:defRPr>
+            </a:lvl4pPr>
+            <a:lvl5pPr marL="2286000" marR="0" lvl="4" indent="-330200" algn="l" rtl="0">
+              <a:lnSpc>
+                <a:spcPct val="100000"/>
+              </a:lnSpc>
+              <a:spcBef>
+                <a:spcPts val="0"/>
+              </a:spcBef>
+              <a:spcAft>
+                <a:spcPts val="0"/>
+              </a:spcAft>
+              <a:buClr>
+                <a:schemeClr val="accent5"/>
+              </a:buClr>
+              <a:buSzPts val="1600"/>
+              <a:buFont typeface="Alef"/>
+              <a:buNone/>
+              <a:defRPr sz="1600" b="1" i="0" u="none" strike="noStrike" cap="none">
+                <a:solidFill>
+                  <a:schemeClr val="accent5"/>
+                </a:solidFill>
+                <a:latin typeface="Alef"/>
+                <a:ea typeface="Alef"/>
+                <a:cs typeface="Alef"/>
+                <a:sym typeface="Alef"/>
+              </a:defRPr>
+            </a:lvl5pPr>
+            <a:lvl6pPr marL="2743200" marR="0" lvl="5" indent="-330200" algn="l" rtl="0">
+              <a:lnSpc>
+                <a:spcPct val="100000"/>
+              </a:lnSpc>
+              <a:spcBef>
+                <a:spcPts val="0"/>
+              </a:spcBef>
+              <a:spcAft>
+                <a:spcPts val="0"/>
+              </a:spcAft>
+              <a:buClr>
+                <a:schemeClr val="accent5"/>
+              </a:buClr>
+              <a:buSzPts val="1600"/>
+              <a:buFont typeface="Alef"/>
+              <a:buNone/>
+              <a:defRPr sz="1600" b="1" i="0" u="none" strike="noStrike" cap="none">
+                <a:solidFill>
+                  <a:schemeClr val="accent5"/>
+                </a:solidFill>
+                <a:latin typeface="Alef"/>
+                <a:ea typeface="Alef"/>
+                <a:cs typeface="Alef"/>
+                <a:sym typeface="Alef"/>
+              </a:defRPr>
+            </a:lvl6pPr>
+            <a:lvl7pPr marL="3200400" marR="0" lvl="6" indent="-330200" algn="l" rtl="0">
+              <a:lnSpc>
+                <a:spcPct val="100000"/>
+              </a:lnSpc>
+              <a:spcBef>
+                <a:spcPts val="0"/>
+              </a:spcBef>
+              <a:spcAft>
+                <a:spcPts val="0"/>
+              </a:spcAft>
+              <a:buClr>
+                <a:schemeClr val="accent5"/>
+              </a:buClr>
+              <a:buSzPts val="1600"/>
+              <a:buFont typeface="Alef"/>
+              <a:buNone/>
+              <a:defRPr sz="1600" b="1" i="0" u="none" strike="noStrike" cap="none">
+                <a:solidFill>
+                  <a:schemeClr val="accent5"/>
+                </a:solidFill>
+                <a:latin typeface="Alef"/>
+                <a:ea typeface="Alef"/>
+                <a:cs typeface="Alef"/>
+                <a:sym typeface="Alef"/>
+              </a:defRPr>
+            </a:lvl7pPr>
+            <a:lvl8pPr marL="3657600" marR="0" lvl="7" indent="-330200" algn="l" rtl="0">
+              <a:lnSpc>
+                <a:spcPct val="100000"/>
+              </a:lnSpc>
+              <a:spcBef>
+                <a:spcPts val="0"/>
+              </a:spcBef>
+              <a:spcAft>
+                <a:spcPts val="0"/>
+              </a:spcAft>
+              <a:buClr>
+                <a:schemeClr val="accent5"/>
+              </a:buClr>
+              <a:buSzPts val="1600"/>
+              <a:buFont typeface="Alef"/>
+              <a:buNone/>
+              <a:defRPr sz="1600" b="1" i="0" u="none" strike="noStrike" cap="none">
+                <a:solidFill>
+                  <a:schemeClr val="accent5"/>
+                </a:solidFill>
+                <a:latin typeface="Alef"/>
+                <a:ea typeface="Alef"/>
+                <a:cs typeface="Alef"/>
+                <a:sym typeface="Alef"/>
+              </a:defRPr>
+            </a:lvl8pPr>
+            <a:lvl9pPr marL="4114800" marR="0" lvl="8" indent="-330200" algn="l" rtl="0">
+              <a:lnSpc>
+                <a:spcPct val="100000"/>
+              </a:lnSpc>
+              <a:spcBef>
+                <a:spcPts val="0"/>
+              </a:spcBef>
+              <a:spcAft>
+                <a:spcPts val="0"/>
+              </a:spcAft>
+              <a:buClr>
+                <a:schemeClr val="accent5"/>
+              </a:buClr>
+              <a:buSzPts val="1600"/>
+              <a:buFont typeface="Alef"/>
+              <a:buNone/>
+              <a:defRPr sz="1600" b="1" i="0" u="none" strike="noStrike" cap="none">
+                <a:solidFill>
+                  <a:schemeClr val="accent5"/>
+                </a:solidFill>
+                <a:latin typeface="Alef"/>
+                <a:ea typeface="Alef"/>
+                <a:cs typeface="Alef"/>
+                <a:sym typeface="Alef"/>
+              </a:defRPr>
+            </a:lvl9pPr>
+          </a:lstStyle>
+          <a:p>
+            <a:pPr marL="285750" indent="-285750" algn="l">
+              <a:lnSpc>
+                <a:spcPct val="200000"/>
+              </a:lnSpc>
+              <a:buFont typeface="Wingdings" panose="05000000000000000000" pitchFamily="2" charset="2"/>
+              <a:buChar char="v"/>
+            </a:pPr>
+            <a:r>
+              <a:rPr lang="sr-Latn-RS" dirty="0">
+                <a:latin typeface="Montserrat Alternates ExtraBold" panose="020B0604020202020204" charset="0"/>
+                <a:ea typeface="NSimSun" panose="02010609030101010101" pitchFamily="49" charset="-122"/>
+              </a:rPr>
+              <a:t>	Nema održavanja hardvera</a:t>
+            </a:r>
+          </a:p>
+          <a:p>
+            <a:pPr marL="285750" indent="-285750" algn="l">
+              <a:lnSpc>
+                <a:spcPct val="200000"/>
+              </a:lnSpc>
+              <a:buFont typeface="Wingdings" panose="05000000000000000000" pitchFamily="2" charset="2"/>
+              <a:buChar char="v"/>
+            </a:pPr>
+            <a:r>
+              <a:rPr lang="sr-Latn-RS" dirty="0">
+                <a:latin typeface="Montserrat Alternates ExtraBold" panose="020B0604020202020204" charset="0"/>
+                <a:ea typeface="NSimSun" panose="02010609030101010101" pitchFamily="49" charset="-122"/>
+              </a:rPr>
+              <a:t>	Ekonomičnost</a:t>
+            </a:r>
+          </a:p>
+          <a:p>
+            <a:pPr marL="285750" indent="-285750" algn="l">
+              <a:lnSpc>
+                <a:spcPct val="200000"/>
+              </a:lnSpc>
+              <a:buFont typeface="Wingdings" panose="05000000000000000000" pitchFamily="2" charset="2"/>
+              <a:buChar char="v"/>
+            </a:pPr>
+            <a:r>
+              <a:rPr lang="sr-Latn-RS" dirty="0">
+                <a:latin typeface="Montserrat Alternates ExtraBold" panose="020B0604020202020204" charset="0"/>
+                <a:ea typeface="NSimSun" panose="02010609030101010101" pitchFamily="49" charset="-122"/>
+              </a:rPr>
+              <a:t>	Nema održavanja sistema</a:t>
+            </a:r>
+          </a:p>
+          <a:p>
+            <a:pPr marL="285750" indent="-285750" algn="l">
+              <a:lnSpc>
+                <a:spcPct val="200000"/>
+              </a:lnSpc>
+              <a:buFont typeface="Wingdings" panose="05000000000000000000" pitchFamily="2" charset="2"/>
+              <a:buChar char="v"/>
+            </a:pPr>
+            <a:r>
+              <a:rPr lang="sr-Latn-RS" dirty="0">
+                <a:latin typeface="Montserrat Alternates ExtraBold" panose="020B0604020202020204" charset="0"/>
+                <a:ea typeface="NSimSun" panose="02010609030101010101" pitchFamily="49" charset="-122"/>
+              </a:rPr>
+              <a:t>	Fokusiranje programera na druge probleme</a:t>
+            </a:r>
+          </a:p>
+        </p:txBody>
+      </p:sp>
     </p:spTree>
   </p:cSld>
   <p:clrMapOvr>
@@ -17493,8 +17646,8 @@
               <a:buNone/>
             </a:pPr>
             <a:r>
-              <a:rPr lang="sr-Latn-RS" dirty="0"/>
-              <a:t>Veličina oploga</a:t>
+              <a:rPr lang="en-US" dirty="0"/>
+              <a:t>Mane</a:t>
             </a:r>
             <a:endParaRPr dirty="0">
               <a:solidFill>
@@ -17504,36 +17657,334 @@
           </a:p>
         </p:txBody>
       </p:sp>
-      <p:pic>
-        <p:nvPicPr>
-          <p:cNvPr id="2" name="Picture 1">
+      <p:sp>
+        <p:nvSpPr>
+          <p:cNvPr id="5" name="Google Shape;593;p42">
             <a:extLst>
               <a:ext uri="{FF2B5EF4-FFF2-40B4-BE49-F238E27FC236}">
-                <a16:creationId xmlns:a16="http://schemas.microsoft.com/office/drawing/2014/main" id="{E014C09A-48D9-2240-D46E-CB340AD927C7}"/>
+                <a16:creationId xmlns:a16="http://schemas.microsoft.com/office/drawing/2014/main" id="{2AC735BF-2053-484D-8149-0A7A7BF9CF8E}"/>
               </a:ext>
             </a:extLst>
           </p:cNvPr>
-          <p:cNvPicPr>
-            <a:picLocks noChangeAspect="1"/>
-          </p:cNvPicPr>
+          <p:cNvSpPr txBox="1">
+            <a:spLocks/>
+          </p:cNvSpPr>
           <p:nvPr/>
-        </p:nvPicPr>
-        <p:blipFill>
-          <a:blip r:embed="rId3"/>
-          <a:stretch>
-            <a:fillRect/>
-          </a:stretch>
-        </p:blipFill>
+        </p:nvSpPr>
         <p:spPr>
           <a:xfrm>
-            <a:off x="1699260" y="1713738"/>
-            <a:ext cx="5745480" cy="1716024"/>
+            <a:off x="1854899" y="1556007"/>
+            <a:ext cx="5662800" cy="2151600"/>
           </a:xfrm>
           <a:prstGeom prst="rect">
             <a:avLst/>
           </a:prstGeom>
-        </p:spPr>
-      </p:pic>
+          <a:noFill/>
+          <a:ln>
+            <a:noFill/>
+          </a:ln>
+        </p:spPr>
+        <p:txBody>
+          <a:bodyPr spcFirstLastPara="1" wrap="square" lIns="91425" tIns="91425" rIns="91425" bIns="91425" anchor="ctr" anchorCtr="0">
+            <a:noAutofit/>
+          </a:bodyPr>
+          <a:lstStyle>
+            <a:defPPr marR="0" lvl="0" algn="l" rtl="0">
+              <a:lnSpc>
+                <a:spcPct val="100000"/>
+              </a:lnSpc>
+              <a:spcBef>
+                <a:spcPts val="0"/>
+              </a:spcBef>
+              <a:spcAft>
+                <a:spcPts val="0"/>
+              </a:spcAft>
+            </a:defPPr>
+            <a:lvl1pPr marL="457200" marR="0" lvl="0" indent="-330200" algn="ctr" rtl="0">
+              <a:lnSpc>
+                <a:spcPct val="100000"/>
+              </a:lnSpc>
+              <a:spcBef>
+                <a:spcPts val="0"/>
+              </a:spcBef>
+              <a:spcAft>
+                <a:spcPts val="0"/>
+              </a:spcAft>
+              <a:buClr>
+                <a:schemeClr val="accent5"/>
+              </a:buClr>
+              <a:buSzPts val="1600"/>
+              <a:buFont typeface="Alef"/>
+              <a:buNone/>
+              <a:defRPr sz="2000" b="0" i="0" u="none" strike="noStrike" cap="none">
+                <a:solidFill>
+                  <a:schemeClr val="lt1"/>
+                </a:solidFill>
+                <a:latin typeface="Montserrat Alternates ExtraBold"/>
+                <a:ea typeface="Montserrat Alternates ExtraBold"/>
+                <a:cs typeface="Montserrat Alternates ExtraBold"/>
+                <a:sym typeface="Montserrat Alternates ExtraBold"/>
+              </a:defRPr>
+            </a:lvl1pPr>
+            <a:lvl2pPr marL="914400" marR="0" lvl="1" indent="-330200" algn="l" rtl="0">
+              <a:lnSpc>
+                <a:spcPct val="100000"/>
+              </a:lnSpc>
+              <a:spcBef>
+                <a:spcPts val="0"/>
+              </a:spcBef>
+              <a:spcAft>
+                <a:spcPts val="0"/>
+              </a:spcAft>
+              <a:buClr>
+                <a:schemeClr val="accent5"/>
+              </a:buClr>
+              <a:buSzPts val="1600"/>
+              <a:buFont typeface="Alef"/>
+              <a:buNone/>
+              <a:defRPr sz="1600" b="1" i="0" u="none" strike="noStrike" cap="none">
+                <a:solidFill>
+                  <a:schemeClr val="accent5"/>
+                </a:solidFill>
+                <a:latin typeface="Alef"/>
+                <a:ea typeface="Alef"/>
+                <a:cs typeface="Alef"/>
+                <a:sym typeface="Alef"/>
+              </a:defRPr>
+            </a:lvl2pPr>
+            <a:lvl3pPr marL="1371600" marR="0" lvl="2" indent="-330200" algn="l" rtl="0">
+              <a:lnSpc>
+                <a:spcPct val="100000"/>
+              </a:lnSpc>
+              <a:spcBef>
+                <a:spcPts val="0"/>
+              </a:spcBef>
+              <a:spcAft>
+                <a:spcPts val="0"/>
+              </a:spcAft>
+              <a:buClr>
+                <a:schemeClr val="accent5"/>
+              </a:buClr>
+              <a:buSzPts val="1600"/>
+              <a:buFont typeface="Alef"/>
+              <a:buNone/>
+              <a:defRPr sz="1600" b="1" i="0" u="none" strike="noStrike" cap="none">
+                <a:solidFill>
+                  <a:schemeClr val="accent5"/>
+                </a:solidFill>
+                <a:latin typeface="Alef"/>
+                <a:ea typeface="Alef"/>
+                <a:cs typeface="Alef"/>
+                <a:sym typeface="Alef"/>
+              </a:defRPr>
+            </a:lvl3pPr>
+            <a:lvl4pPr marL="1828800" marR="0" lvl="3" indent="-330200" algn="l" rtl="0">
+              <a:lnSpc>
+                <a:spcPct val="100000"/>
+              </a:lnSpc>
+              <a:spcBef>
+                <a:spcPts val="0"/>
+              </a:spcBef>
+              <a:spcAft>
+                <a:spcPts val="0"/>
+              </a:spcAft>
+              <a:buClr>
+                <a:schemeClr val="accent5"/>
+              </a:buClr>
+              <a:buSzPts val="1600"/>
+              <a:buFont typeface="Alef"/>
+              <a:buNone/>
+              <a:defRPr sz="1600" b="1" i="0" u="none" strike="noStrike" cap="none">
+                <a:solidFill>
+                  <a:schemeClr val="accent5"/>
+                </a:solidFill>
+                <a:latin typeface="Alef"/>
+                <a:ea typeface="Alef"/>
+                <a:cs typeface="Alef"/>
+                <a:sym typeface="Alef"/>
+              </a:defRPr>
+            </a:lvl4pPr>
+            <a:lvl5pPr marL="2286000" marR="0" lvl="4" indent="-330200" algn="l" rtl="0">
+              <a:lnSpc>
+                <a:spcPct val="100000"/>
+              </a:lnSpc>
+              <a:spcBef>
+                <a:spcPts val="0"/>
+              </a:spcBef>
+              <a:spcAft>
+                <a:spcPts val="0"/>
+              </a:spcAft>
+              <a:buClr>
+                <a:schemeClr val="accent5"/>
+              </a:buClr>
+              <a:buSzPts val="1600"/>
+              <a:buFont typeface="Alef"/>
+              <a:buNone/>
+              <a:defRPr sz="1600" b="1" i="0" u="none" strike="noStrike" cap="none">
+                <a:solidFill>
+                  <a:schemeClr val="accent5"/>
+                </a:solidFill>
+                <a:latin typeface="Alef"/>
+                <a:ea typeface="Alef"/>
+                <a:cs typeface="Alef"/>
+                <a:sym typeface="Alef"/>
+              </a:defRPr>
+            </a:lvl5pPr>
+            <a:lvl6pPr marL="2743200" marR="0" lvl="5" indent="-330200" algn="l" rtl="0">
+              <a:lnSpc>
+                <a:spcPct val="100000"/>
+              </a:lnSpc>
+              <a:spcBef>
+                <a:spcPts val="0"/>
+              </a:spcBef>
+              <a:spcAft>
+                <a:spcPts val="0"/>
+              </a:spcAft>
+              <a:buClr>
+                <a:schemeClr val="accent5"/>
+              </a:buClr>
+              <a:buSzPts val="1600"/>
+              <a:buFont typeface="Alef"/>
+              <a:buNone/>
+              <a:defRPr sz="1600" b="1" i="0" u="none" strike="noStrike" cap="none">
+                <a:solidFill>
+                  <a:schemeClr val="accent5"/>
+                </a:solidFill>
+                <a:latin typeface="Alef"/>
+                <a:ea typeface="Alef"/>
+                <a:cs typeface="Alef"/>
+                <a:sym typeface="Alef"/>
+              </a:defRPr>
+            </a:lvl6pPr>
+            <a:lvl7pPr marL="3200400" marR="0" lvl="6" indent="-330200" algn="l" rtl="0">
+              <a:lnSpc>
+                <a:spcPct val="100000"/>
+              </a:lnSpc>
+              <a:spcBef>
+                <a:spcPts val="0"/>
+              </a:spcBef>
+              <a:spcAft>
+                <a:spcPts val="0"/>
+              </a:spcAft>
+              <a:buClr>
+                <a:schemeClr val="accent5"/>
+              </a:buClr>
+              <a:buSzPts val="1600"/>
+              <a:buFont typeface="Alef"/>
+              <a:buNone/>
+              <a:defRPr sz="1600" b="1" i="0" u="none" strike="noStrike" cap="none">
+                <a:solidFill>
+                  <a:schemeClr val="accent5"/>
+                </a:solidFill>
+                <a:latin typeface="Alef"/>
+                <a:ea typeface="Alef"/>
+                <a:cs typeface="Alef"/>
+                <a:sym typeface="Alef"/>
+              </a:defRPr>
+            </a:lvl7pPr>
+            <a:lvl8pPr marL="3657600" marR="0" lvl="7" indent="-330200" algn="l" rtl="0">
+              <a:lnSpc>
+                <a:spcPct val="100000"/>
+              </a:lnSpc>
+              <a:spcBef>
+                <a:spcPts val="0"/>
+              </a:spcBef>
+              <a:spcAft>
+                <a:spcPts val="0"/>
+              </a:spcAft>
+              <a:buClr>
+                <a:schemeClr val="accent5"/>
+              </a:buClr>
+              <a:buSzPts val="1600"/>
+              <a:buFont typeface="Alef"/>
+              <a:buNone/>
+              <a:defRPr sz="1600" b="1" i="0" u="none" strike="noStrike" cap="none">
+                <a:solidFill>
+                  <a:schemeClr val="accent5"/>
+                </a:solidFill>
+                <a:latin typeface="Alef"/>
+                <a:ea typeface="Alef"/>
+                <a:cs typeface="Alef"/>
+                <a:sym typeface="Alef"/>
+              </a:defRPr>
+            </a:lvl8pPr>
+            <a:lvl9pPr marL="4114800" marR="0" lvl="8" indent="-330200" algn="l" rtl="0">
+              <a:lnSpc>
+                <a:spcPct val="100000"/>
+              </a:lnSpc>
+              <a:spcBef>
+                <a:spcPts val="0"/>
+              </a:spcBef>
+              <a:spcAft>
+                <a:spcPts val="0"/>
+              </a:spcAft>
+              <a:buClr>
+                <a:schemeClr val="accent5"/>
+              </a:buClr>
+              <a:buSzPts val="1600"/>
+              <a:buFont typeface="Alef"/>
+              <a:buNone/>
+              <a:defRPr sz="1600" b="1" i="0" u="none" strike="noStrike" cap="none">
+                <a:solidFill>
+                  <a:schemeClr val="accent5"/>
+                </a:solidFill>
+                <a:latin typeface="Alef"/>
+                <a:ea typeface="Alef"/>
+                <a:cs typeface="Alef"/>
+                <a:sym typeface="Alef"/>
+              </a:defRPr>
+            </a:lvl9pPr>
+          </a:lstStyle>
+          <a:p>
+            <a:pPr marL="285750" indent="-285750" algn="l">
+              <a:lnSpc>
+                <a:spcPct val="200000"/>
+              </a:lnSpc>
+              <a:buFont typeface="Wingdings" panose="05000000000000000000" pitchFamily="2" charset="2"/>
+              <a:buChar char="v"/>
+            </a:pPr>
+            <a:r>
+              <a:rPr lang="sr-Latn-RS" dirty="0">
+                <a:latin typeface="Montserrat Alternates ExtraBold" panose="020B0604020202020204" charset="0"/>
+                <a:ea typeface="NSimSun" panose="02010609030101010101" pitchFamily="49" charset="-122"/>
+              </a:rPr>
+              <a:t>	Kvar na serveru ili mreži</a:t>
+            </a:r>
+          </a:p>
+          <a:p>
+            <a:pPr marL="285750" indent="-285750" algn="l">
+              <a:lnSpc>
+                <a:spcPct val="200000"/>
+              </a:lnSpc>
+              <a:buFont typeface="Wingdings" panose="05000000000000000000" pitchFamily="2" charset="2"/>
+              <a:buChar char="v"/>
+            </a:pPr>
+            <a:r>
+              <a:rPr lang="sr-Latn-RS" dirty="0">
+                <a:latin typeface="Montserrat Alternates ExtraBold" panose="020B0604020202020204" charset="0"/>
+                <a:ea typeface="NSimSun" panose="02010609030101010101" pitchFamily="49" charset="-122"/>
+              </a:rPr>
+              <a:t>	Šta ako su kompanije već opremljene resursima?</a:t>
+            </a:r>
+          </a:p>
+          <a:p>
+            <a:pPr marL="285750" indent="-285750" algn="l">
+              <a:lnSpc>
+                <a:spcPct val="200000"/>
+              </a:lnSpc>
+              <a:buFont typeface="Wingdings" panose="05000000000000000000" pitchFamily="2" charset="2"/>
+              <a:buChar char="v"/>
+            </a:pPr>
+            <a:r>
+              <a:rPr lang="sr-Latn-RS" dirty="0">
+                <a:latin typeface="Montserrat Alternates ExtraBold" panose="020B0604020202020204" charset="0"/>
+                <a:ea typeface="NSimSun" panose="02010609030101010101" pitchFamily="49" charset="-122"/>
+              </a:rPr>
+              <a:t>	Nedostatak funkcionalnosti</a:t>
+            </a:r>
+          </a:p>
+        </p:txBody>
+      </p:sp>
     </p:spTree>
     <p:extLst>
       <p:ext uri="{BB962C8B-B14F-4D97-AF65-F5344CB8AC3E}">
@@ -17564,7 +18015,65 @@
   <p:cSld>
     <p:spTree>
       <p:nvGrpSpPr>
-        <p:cNvPr id="1" name="Shape 581"/>
+        <p:cNvPr id="1" name=""/>
+        <p:cNvGrpSpPr/>
+        <p:nvPr/>
+      </p:nvGrpSpPr>
+      <p:grpSpPr>
+        <a:xfrm>
+          <a:off x="0" y="0"/>
+          <a:ext cx="0" cy="0"/>
+          <a:chOff x="0" y="0"/>
+          <a:chExt cx="0" cy="0"/>
+        </a:xfrm>
+      </p:grpSpPr>
+      <p:pic>
+        <p:nvPicPr>
+          <p:cNvPr id="7" name="Picture 6">
+            <a:extLst>
+              <a:ext uri="{FF2B5EF4-FFF2-40B4-BE49-F238E27FC236}">
+                <a16:creationId xmlns:a16="http://schemas.microsoft.com/office/drawing/2014/main" id="{1D36F8F8-2E07-4F83-8F4E-CD9D7650BA25}"/>
+              </a:ext>
+            </a:extLst>
+          </p:cNvPr>
+          <p:cNvPicPr/>
+          <p:nvPr/>
+        </p:nvPicPr>
+        <p:blipFill>
+          <a:blip r:embed="rId2"/>
+          <a:stretch>
+            <a:fillRect/>
+          </a:stretch>
+        </p:blipFill>
+        <p:spPr>
+          <a:xfrm>
+            <a:off x="1706245" y="414655"/>
+            <a:ext cx="5731510" cy="4314190"/>
+          </a:xfrm>
+          <a:prstGeom prst="rect">
+            <a:avLst/>
+          </a:prstGeom>
+        </p:spPr>
+      </p:pic>
+    </p:spTree>
+    <p:extLst>
+      <p:ext uri="{BB962C8B-B14F-4D97-AF65-F5344CB8AC3E}">
+        <p14:creationId xmlns:p14="http://schemas.microsoft.com/office/powerpoint/2010/main" val="1612687918"/>
+      </p:ext>
+    </p:extLst>
+  </p:cSld>
+  <p:clrMapOvr>
+    <a:masterClrMapping/>
+  </p:clrMapOvr>
+</p:sld>
+</file>
+
+<file path=ppt/slides/slide9.xml><?xml version="1.0" encoding="utf-8"?>
+<p:sld xmlns:a="http://schemas.openxmlformats.org/drawingml/2006/main" xmlns:r="http://schemas.openxmlformats.org/officeDocument/2006/relationships" xmlns:p="http://schemas.openxmlformats.org/presentationml/2006/main">
+  <p:cSld>
+    <p:spTree>
+      <p:nvGrpSpPr>
+        <p:cNvPr id="1" name=""/>
         <p:cNvGrpSpPr/>
         <p:nvPr/>
       </p:nvGrpSpPr>
@@ -17578,78 +18087,52 @@
       </p:grpSpPr>
       <p:sp>
         <p:nvSpPr>
-          <p:cNvPr id="583" name="Google Shape;583;p41"/>
-          <p:cNvSpPr/>
-          <p:nvPr/>
-        </p:nvSpPr>
-        <p:spPr>
-          <a:xfrm>
-            <a:off x="4057800" y="1320502"/>
-            <a:ext cx="1028400" cy="1028400"/>
-          </a:xfrm>
-          <a:prstGeom prst="roundRect">
-            <a:avLst>
-              <a:gd name="adj" fmla="val 31166"/>
-            </a:avLst>
-          </a:prstGeom>
-          <a:noFill/>
-          <a:ln w="9525" cap="flat" cmpd="sng">
-            <a:solidFill>
-              <a:schemeClr val="lt1"/>
-            </a:solidFill>
-            <a:prstDash val="solid"/>
-            <a:round/>
-            <a:headEnd type="none" w="sm" len="sm"/>
-            <a:tailEnd type="none" w="sm" len="sm"/>
-          </a:ln>
-        </p:spPr>
-        <p:txBody>
-          <a:bodyPr spcFirstLastPara="1" wrap="square" lIns="91425" tIns="91425" rIns="91425" bIns="91425" anchor="ctr" anchorCtr="0">
-            <a:noAutofit/>
-          </a:bodyPr>
-          <a:lstStyle/>
-          <a:p>
-            <a:pPr marL="0" lvl="0" indent="0" algn="l" rtl="0">
-              <a:spcBef>
-                <a:spcPts val="0"/>
-              </a:spcBef>
-              <a:spcAft>
-                <a:spcPts val="0"/>
-              </a:spcAft>
-              <a:buNone/>
-            </a:pPr>
-            <a:endParaRPr/>
-          </a:p>
-        </p:txBody>
-      </p:sp>
-      <p:sp>
-        <p:nvSpPr>
-          <p:cNvPr id="584" name="Google Shape;584;p41"/>
-          <p:cNvSpPr txBox="1">
+          <p:cNvPr id="2" name="Title 1">
+            <a:extLst>
+              <a:ext uri="{FF2B5EF4-FFF2-40B4-BE49-F238E27FC236}">
+                <a16:creationId xmlns:a16="http://schemas.microsoft.com/office/drawing/2014/main" id="{2F9894AB-BD59-410A-9947-35BB857A0A2E}"/>
+              </a:ext>
+            </a:extLst>
+          </p:cNvPr>
+          <p:cNvSpPr>
             <a:spLocks noGrp="1"/>
           </p:cNvSpPr>
           <p:nvPr>
             <p:ph type="title"/>
           </p:nvPr>
         </p:nvSpPr>
-        <p:spPr>
-          <a:xfrm>
-            <a:off x="359264" y="2716940"/>
-            <a:ext cx="8653118" cy="914400"/>
-          </a:xfrm>
-          <a:prstGeom prst="rect">
-            <a:avLst/>
-          </a:prstGeom>
-        </p:spPr>
+        <p:spPr/>
         <p:txBody>
-          <a:bodyPr spcFirstLastPara="1" wrap="square" lIns="91425" tIns="91425" rIns="91425" bIns="91425" anchor="ctr" anchorCtr="0">
-            <a:noAutofit/>
-          </a:bodyPr>
+          <a:bodyPr/>
           <a:lstStyle/>
           <a:p>
             <a:r>
               <a:rPr lang="en-US" dirty="0" err="1"/>
-              <a:t>Sinhronizacija</a:t>
+              <a:t>Deset</a:t>
+            </a:r>
+            <a:r>
+              <a:rPr lang="en-US" dirty="0"/>
+              <a:t> </a:t>
+            </a:r>
+            <a:r>
+              <a:rPr lang="en-US" dirty="0" err="1"/>
+              <a:t>najboljih</a:t>
+            </a:r>
+            <a:r>
+              <a:rPr lang="en-US" dirty="0"/>
+              <a:t> </a:t>
+            </a:r>
+            <a:r>
+              <a:rPr lang="en-US" dirty="0" err="1"/>
+              <a:t>provajdera</a:t>
+            </a:r>
+            <a:r>
+              <a:rPr lang="en-US" dirty="0"/>
+              <a:t> </a:t>
+            </a:r>
+            <a:r>
+              <a:rPr lang="en-US" dirty="0" err="1"/>
+              <a:t>baza</a:t>
             </a:r>
             <a:r>
               <a:rPr lang="en-US" dirty="0"/>
@@ -17659,65 +18142,36 @@
               <a:rPr lang="en-US" dirty="0" err="1"/>
               <a:t>podataka</a:t>
             </a:r>
-            <a:br>
-              <a:rPr lang="sr-Latn-RS" dirty="0"/>
-            </a:br>
-            <a:endParaRPr dirty="0"/>
+            <a:r>
+              <a:rPr lang="en-US" dirty="0"/>
+              <a:t> </a:t>
+            </a:r>
+            <a:r>
+              <a:rPr lang="en-US" dirty="0" err="1"/>
+              <a:t>kao</a:t>
+            </a:r>
+            <a:r>
+              <a:rPr lang="en-US" dirty="0"/>
+              <a:t> </a:t>
+            </a:r>
+            <a:r>
+              <a:rPr lang="en-US" dirty="0" err="1"/>
+              <a:t>usluge</a:t>
+            </a:r>
+            <a:r>
+              <a:rPr lang="en-US" dirty="0"/>
+              <a:t> </a:t>
+            </a:r>
+            <a:endParaRPr lang="en-AS" dirty="0"/>
           </a:p>
         </p:txBody>
       </p:sp>
       <p:sp>
         <p:nvSpPr>
-          <p:cNvPr id="586" name="Google Shape;586;p41"/>
-          <p:cNvSpPr txBox="1">
-            <a:spLocks noGrp="1"/>
-          </p:cNvSpPr>
-          <p:nvPr>
-            <p:ph type="title" idx="2"/>
-          </p:nvPr>
-        </p:nvSpPr>
-        <p:spPr>
-          <a:xfrm>
-            <a:off x="4059900" y="1322593"/>
-            <a:ext cx="1024200" cy="1024200"/>
-          </a:xfrm>
-          <a:prstGeom prst="rect">
-            <a:avLst/>
-          </a:prstGeom>
-        </p:spPr>
-        <p:txBody>
-          <a:bodyPr spcFirstLastPara="1" wrap="square" lIns="91425" tIns="91425" rIns="91425" bIns="91425" anchor="ctr" anchorCtr="0">
-            <a:noAutofit/>
-          </a:bodyPr>
-          <a:lstStyle/>
-          <a:p>
-            <a:pPr marL="0" lvl="0" indent="0" algn="ctr" rtl="0">
-              <a:spcBef>
-                <a:spcPts val="0"/>
-              </a:spcBef>
-              <a:spcAft>
-                <a:spcPts val="0"/>
-              </a:spcAft>
-              <a:buNone/>
-            </a:pPr>
-            <a:r>
-              <a:rPr lang="en" dirty="0"/>
-              <a:t>0</a:t>
-            </a:r>
-            <a:r>
-              <a:rPr lang="sr-Latn-RS" dirty="0"/>
-              <a:t>3</a:t>
-            </a:r>
-            <a:endParaRPr dirty="0"/>
-          </a:p>
-        </p:txBody>
-      </p:sp>
-      <p:sp>
-        <p:nvSpPr>
-          <p:cNvPr id="8" name="Google Shape;790;p48">
+          <p:cNvPr id="11" name="Google Shape;593;p42">
             <a:extLst>
               <a:ext uri="{FF2B5EF4-FFF2-40B4-BE49-F238E27FC236}">
-                <a16:creationId xmlns:a16="http://schemas.microsoft.com/office/drawing/2014/main" id="{200B1EFD-A296-44AC-997E-3CDD5BBB3E9C}"/>
+                <a16:creationId xmlns:a16="http://schemas.microsoft.com/office/drawing/2014/main" id="{992E9192-3708-41C3-9CCD-4C3B2BB6FBB4}"/>
               </a:ext>
             </a:extLst>
           </p:cNvPr>
@@ -17728,8 +18182,8 @@
         </p:nvSpPr>
         <p:spPr>
           <a:xfrm>
-            <a:off x="2160562" y="3294902"/>
-            <a:ext cx="4822875" cy="365700"/>
+            <a:off x="1797748" y="2443250"/>
+            <a:ext cx="7717499" cy="2151600"/>
           </a:xfrm>
           <a:prstGeom prst="rect">
             <a:avLst/>
@@ -17755,7 +18209,7 @@
                 <a:spcPts val="0"/>
               </a:spcAft>
             </a:defPPr>
-            <a:lvl1pPr marR="0" lvl="0" algn="ctr" rtl="0">
+            <a:lvl1pPr marL="457200" marR="0" lvl="0" indent="-330200" algn="ctr" rtl="0">
               <a:lnSpc>
                 <a:spcPct val="100000"/>
               </a:lnSpc>
@@ -17766,12 +18220,12 @@
                 <a:spcPts val="0"/>
               </a:spcAft>
               <a:buClr>
-                <a:schemeClr val="lt1"/>
+                <a:schemeClr val="accent5"/>
               </a:buClr>
-              <a:buSzPts val="3600"/>
-              <a:buFont typeface="Montserrat Alternates ExtraBold"/>
-              <a:buNone/>
-              <a:defRPr sz="5000" b="0" i="0" u="none" strike="noStrike" cap="none">
+              <a:buSzPts val="1600"/>
+              <a:buFont typeface="Alef"/>
+              <a:buNone/>
+              <a:defRPr sz="2000" b="0" i="0" u="none" strike="noStrike" cap="none">
                 <a:solidFill>
                   <a:schemeClr val="lt1"/>
                 </a:solidFill>
@@ -17781,7 +18235,7 @@
                 <a:sym typeface="Montserrat Alternates ExtraBold"/>
               </a:defRPr>
             </a:lvl1pPr>
-            <a:lvl2pPr marR="0" lvl="1" algn="ctr" rtl="0">
+            <a:lvl2pPr marL="914400" marR="0" lvl="1" indent="-330200" algn="l" rtl="0">
               <a:lnSpc>
                 <a:spcPct val="100000"/>
               </a:lnSpc>
@@ -17792,22 +18246,22 @@
                 <a:spcPts val="0"/>
               </a:spcAft>
               <a:buClr>
-                <a:schemeClr val="lt1"/>
+                <a:schemeClr val="accent5"/>
               </a:buClr>
-              <a:buSzPts val="3600"/>
-              <a:buFont typeface="Arial"/>
-              <a:buNone/>
-              <a:defRPr sz="3600" b="0" i="0" u="none" strike="noStrike" cap="none">
+              <a:buSzPts val="1600"/>
+              <a:buFont typeface="Alef"/>
+              <a:buNone/>
+              <a:defRPr sz="1600" b="1" i="0" u="none" strike="noStrike" cap="none">
                 <a:solidFill>
-                  <a:schemeClr val="lt1"/>
+                  <a:schemeClr val="accent5"/>
                 </a:solidFill>
-                <a:latin typeface="Arial"/>
-                <a:ea typeface="Arial"/>
-                <a:cs typeface="Arial"/>
-                <a:sym typeface="Arial"/>
+                <a:latin typeface="Alef"/>
+                <a:ea typeface="Alef"/>
+                <a:cs typeface="Alef"/>
+                <a:sym typeface="Alef"/>
               </a:defRPr>
             </a:lvl2pPr>
-            <a:lvl3pPr marR="0" lvl="2" algn="ctr" rtl="0">
+            <a:lvl3pPr marL="1371600" marR="0" lvl="2" indent="-330200" algn="l" rtl="0">
               <a:lnSpc>
                 <a:spcPct val="100000"/>
               </a:lnSpc>
@@ -17818,22 +18272,22 @@
                 <a:spcPts val="0"/>
               </a:spcAft>
               <a:buClr>
-                <a:schemeClr val="lt1"/>
+                <a:schemeClr val="accent5"/>
               </a:buClr>
-              <a:buSzPts val="3600"/>
-              <a:buFont typeface="Arial"/>
-              <a:buNone/>
-              <a:defRPr sz="3600" b="0" i="0" u="none" strike="noStrike" cap="none">
+              <a:buSzPts val="1600"/>
+              <a:buFont typeface="Alef"/>
+              <a:buNone/>
+              <a:defRPr sz="1600" b="1" i="0" u="none" strike="noStrike" cap="none">
                 <a:solidFill>
-                  <a:schemeClr val="lt1"/>
+                  <a:schemeClr val="accent5"/>
                 </a:solidFill>
-                <a:latin typeface="Arial"/>
-                <a:ea typeface="Arial"/>
-                <a:cs typeface="Arial"/>
-                <a:sym typeface="Arial"/>
+                <a:latin typeface="Alef"/>
+                <a:ea typeface="Alef"/>
+                <a:cs typeface="Alef"/>
+                <a:sym typeface="Alef"/>
               </a:defRPr>
             </a:lvl3pPr>
-            <a:lvl4pPr marR="0" lvl="3" algn="ctr" rtl="0">
+            <a:lvl4pPr marL="1828800" marR="0" lvl="3" indent="-330200" algn="l" rtl="0">
               <a:lnSpc>
                 <a:spcPct val="100000"/>
               </a:lnSpc>
@@ -17844,22 +18298,22 @@
                 <a:spcPts val="0"/>
               </a:spcAft>
               <a:buClr>
-                <a:schemeClr val="lt1"/>
+                <a:schemeClr val="accent5"/>
               </a:buClr>
-              <a:buSzPts val="3600"/>
-              <a:buFont typeface="Arial"/>
-              <a:buNone/>
-              <a:defRPr sz="3600" b="0" i="0" u="none" strike="noStrike" cap="none">
+              <a:buSzPts val="1600"/>
+              <a:buFont typeface="Alef"/>
+              <a:buNone/>
+              <a:defRPr sz="1600" b="1" i="0" u="none" strike="noStrike" cap="none">
                 <a:solidFill>
-                  <a:schemeClr val="lt1"/>
+                  <a:schemeClr val="accent5"/>
                 </a:solidFill>
-                <a:latin typeface="Arial"/>
-                <a:ea typeface="Arial"/>
-                <a:cs typeface="Arial"/>
-                <a:sym typeface="Arial"/>
+                <a:latin typeface="Alef"/>
+                <a:ea typeface="Alef"/>
+                <a:cs typeface="Alef"/>
+                <a:sym typeface="Alef"/>
               </a:defRPr>
             </a:lvl4pPr>
-            <a:lvl5pPr marR="0" lvl="4" algn="ctr" rtl="0">
+            <a:lvl5pPr marL="2286000" marR="0" lvl="4" indent="-330200" algn="l" rtl="0">
               <a:lnSpc>
                 <a:spcPct val="100000"/>
               </a:lnSpc>
@@ -17870,22 +18324,22 @@
                 <a:spcPts val="0"/>
               </a:spcAft>
               <a:buClr>
-                <a:schemeClr val="lt1"/>
+                <a:schemeClr val="accent5"/>
               </a:buClr>
-              <a:buSzPts val="3600"/>
-              <a:buFont typeface="Arial"/>
-              <a:buNone/>
-              <a:defRPr sz="3600" b="0" i="0" u="none" strike="noStrike" cap="none">
+              <a:buSzPts val="1600"/>
+              <a:buFont typeface="Alef"/>
+              <a:buNone/>
+              <a:defRPr sz="1600" b="1" i="0" u="none" strike="noStrike" cap="none">
                 <a:solidFill>
-                  <a:schemeClr val="lt1"/>
+                  <a:schemeClr val="accent5"/>
                 </a:solidFill>
-                <a:latin typeface="Arial"/>
-                <a:ea typeface="Arial"/>
-                <a:cs typeface="Arial"/>
-                <a:sym typeface="Arial"/>
+                <a:latin typeface="Alef"/>
+                <a:ea typeface="Alef"/>
+                <a:cs typeface="Alef"/>
+                <a:sym typeface="Alef"/>
               </a:defRPr>
             </a:lvl5pPr>
-            <a:lvl6pPr marR="0" lvl="5" algn="ctr" rtl="0">
+            <a:lvl6pPr marL="2743200" marR="0" lvl="5" indent="-330200" algn="l" rtl="0">
               <a:lnSpc>
                 <a:spcPct val="100000"/>
               </a:lnSpc>
@@ -17896,22 +18350,22 @@
                 <a:spcPts val="0"/>
               </a:spcAft>
               <a:buClr>
-                <a:schemeClr val="lt1"/>
+                <a:schemeClr val="accent5"/>
               </a:buClr>
-              <a:buSzPts val="3600"/>
-              <a:buFont typeface="Arial"/>
-              <a:buNone/>
-              <a:defRPr sz="3600" b="0" i="0" u="none" strike="noStrike" cap="none">
+              <a:buSzPts val="1600"/>
+              <a:buFont typeface="Alef"/>
+              <a:buNone/>
+              <a:defRPr sz="1600" b="1" i="0" u="none" strike="noStrike" cap="none">
                 <a:solidFill>
-                  <a:schemeClr val="lt1"/>
+                  <a:schemeClr val="accent5"/>
                 </a:solidFill>
-                <a:latin typeface="Arial"/>
-                <a:ea typeface="Arial"/>
-                <a:cs typeface="Arial"/>
-                <a:sym typeface="Arial"/>
+                <a:latin typeface="Alef"/>
+                <a:ea typeface="Alef"/>
+                <a:cs typeface="Alef"/>
+                <a:sym typeface="Alef"/>
               </a:defRPr>
             </a:lvl6pPr>
-            <a:lvl7pPr marR="0" lvl="6" algn="ctr" rtl="0">
+            <a:lvl7pPr marL="3200400" marR="0" lvl="6" indent="-330200" algn="l" rtl="0">
               <a:lnSpc>
                 <a:spcPct val="100000"/>
               </a:lnSpc>
@@ -17922,22 +18376,22 @@
                 <a:spcPts val="0"/>
               </a:spcAft>
               <a:buClr>
-                <a:schemeClr val="lt1"/>
+                <a:schemeClr val="accent5"/>
               </a:buClr>
-              <a:buSzPts val="3600"/>
-              <a:buFont typeface="Arial"/>
-              <a:buNone/>
-              <a:defRPr sz="3600" b="0" i="0" u="none" strike="noStrike" cap="none">
+              <a:buSzPts val="1600"/>
+              <a:buFont typeface="Alef"/>
+              <a:buNone/>
+              <a:defRPr sz="1600" b="1" i="0" u="none" strike="noStrike" cap="none">
                 <a:solidFill>
-                  <a:schemeClr val="lt1"/>
+                  <a:schemeClr val="accent5"/>
                 </a:solidFill>
-                <a:latin typeface="Arial"/>
-                <a:ea typeface="Arial"/>
-                <a:cs typeface="Arial"/>
-                <a:sym typeface="Arial"/>
+                <a:latin typeface="Alef"/>
+                <a:ea typeface="Alef"/>
+                <a:cs typeface="Alef"/>
+                <a:sym typeface="Alef"/>
               </a:defRPr>
             </a:lvl7pPr>
-            <a:lvl8pPr marR="0" lvl="7" algn="ctr" rtl="0">
+            <a:lvl8pPr marL="3657600" marR="0" lvl="7" indent="-330200" algn="l" rtl="0">
               <a:lnSpc>
                 <a:spcPct val="100000"/>
               </a:lnSpc>
@@ -17948,22 +18402,22 @@
                 <a:spcPts val="0"/>
               </a:spcAft>
               <a:buClr>
-                <a:schemeClr val="lt1"/>
+                <a:schemeClr val="accent5"/>
               </a:buClr>
-              <a:buSzPts val="3600"/>
-              <a:buFont typeface="Arial"/>
-              <a:buNone/>
-              <a:defRPr sz="3600" b="0" i="0" u="none" strike="noStrike" cap="none">
+              <a:buSzPts val="1600"/>
+              <a:buFont typeface="Alef"/>
+              <a:buNone/>
+              <a:defRPr sz="1600" b="1" i="0" u="none" strike="noStrike" cap="none">
                 <a:solidFill>
-                  <a:schemeClr val="lt1"/>
+                  <a:schemeClr val="accent5"/>
                 </a:solidFill>
-                <a:latin typeface="Arial"/>
-                <a:ea typeface="Arial"/>
-                <a:cs typeface="Arial"/>
-                <a:sym typeface="Arial"/>
+                <a:latin typeface="Alef"/>
+                <a:ea typeface="Alef"/>
+                <a:cs typeface="Alef"/>
+                <a:sym typeface="Alef"/>
               </a:defRPr>
             </a:lvl8pPr>
-            <a:lvl9pPr marR="0" lvl="8" algn="ctr" rtl="0">
+            <a:lvl9pPr marL="4114800" marR="0" lvl="8" indent="-330200" algn="l" rtl="0">
               <a:lnSpc>
                 <a:spcPct val="100000"/>
               </a:lnSpc>
@@ -17974,213 +18428,321 @@
                 <a:spcPts val="0"/>
               </a:spcAft>
               <a:buClr>
-                <a:schemeClr val="lt1"/>
+                <a:schemeClr val="accent5"/>
               </a:buClr>
-              <a:buSzPts val="3600"/>
-              <a:buFont typeface="Arial"/>
-              <a:buNone/>
-              <a:defRPr sz="3600" b="0" i="0" u="none" strike="noStrike" cap="none">
+              <a:buSzPts val="1600"/>
+              <a:buFont typeface="Alef"/>
+              <a:buNone/>
+              <a:defRPr sz="1600" b="1" i="0" u="none" strike="noStrike" cap="none">
                 <a:solidFill>
-                  <a:schemeClr val="lt1"/>
+                  <a:schemeClr val="accent5"/>
                 </a:solidFill>
-                <a:latin typeface="Arial"/>
-                <a:ea typeface="Arial"/>
-                <a:cs typeface="Arial"/>
-                <a:sym typeface="Arial"/>
+                <a:latin typeface="Alef"/>
+                <a:ea typeface="Alef"/>
+                <a:cs typeface="Alef"/>
+                <a:sym typeface="Alef"/>
               </a:defRPr>
             </a:lvl9pPr>
           </a:lstStyle>
           <a:p>
-            <a:endParaRPr lang="pl-PL" sz="1800" dirty="0"/>
+            <a:pPr marL="285750" indent="-285750" algn="l">
+              <a:buFont typeface="Wingdings" panose="05000000000000000000" pitchFamily="2" charset="2"/>
+              <a:buChar char="v"/>
+            </a:pPr>
+            <a:r>
+              <a:rPr lang="sr-Latn-RS" dirty="0">
+                <a:latin typeface="Montserrat Alternates ExtraBold" panose="020B0604020202020204" charset="0"/>
+                <a:ea typeface="NSimSun" panose="02010609030101010101" pitchFamily="49" charset="-122"/>
+              </a:rPr>
+              <a:t>	Amazon </a:t>
+            </a:r>
+            <a:r>
+              <a:rPr lang="sr-Latn-RS" dirty="0" err="1">
+                <a:latin typeface="Montserrat Alternates ExtraBold" panose="020B0604020202020204" charset="0"/>
+                <a:ea typeface="NSimSun" panose="02010609030101010101" pitchFamily="49" charset="-122"/>
+              </a:rPr>
+              <a:t>Relational</a:t>
+            </a:r>
+            <a:r>
+              <a:rPr lang="sr-Latn-RS" dirty="0">
+                <a:latin typeface="Montserrat Alternates ExtraBold" panose="020B0604020202020204" charset="0"/>
+                <a:ea typeface="NSimSun" panose="02010609030101010101" pitchFamily="49" charset="-122"/>
+              </a:rPr>
+              <a:t> </a:t>
+            </a:r>
+            <a:r>
+              <a:rPr lang="sr-Latn-RS" dirty="0" err="1">
+                <a:latin typeface="Montserrat Alternates ExtraBold" panose="020B0604020202020204" charset="0"/>
+                <a:ea typeface="NSimSun" panose="02010609030101010101" pitchFamily="49" charset="-122"/>
+              </a:rPr>
+              <a:t>Database</a:t>
+            </a:r>
+            <a:r>
+              <a:rPr lang="sr-Latn-RS" dirty="0">
+                <a:latin typeface="Montserrat Alternates ExtraBold" panose="020B0604020202020204" charset="0"/>
+                <a:ea typeface="NSimSun" panose="02010609030101010101" pitchFamily="49" charset="-122"/>
+              </a:rPr>
+              <a:t> </a:t>
+            </a:r>
+            <a:r>
+              <a:rPr lang="sr-Latn-RS" dirty="0" err="1">
+                <a:latin typeface="Montserrat Alternates ExtraBold" panose="020B0604020202020204" charset="0"/>
+                <a:ea typeface="NSimSun" panose="02010609030101010101" pitchFamily="49" charset="-122"/>
+              </a:rPr>
+              <a:t>Service</a:t>
+            </a:r>
+            <a:r>
+              <a:rPr lang="sr-Latn-RS" dirty="0">
+                <a:latin typeface="Montserrat Alternates ExtraBold" panose="020B0604020202020204" charset="0"/>
+                <a:ea typeface="NSimSun" panose="02010609030101010101" pitchFamily="49" charset="-122"/>
+              </a:rPr>
+              <a:t> (RDS)</a:t>
+            </a:r>
+          </a:p>
+          <a:p>
+            <a:pPr marL="285750" indent="-285750" algn="l">
+              <a:buFont typeface="Wingdings" panose="05000000000000000000" pitchFamily="2" charset="2"/>
+              <a:buChar char="v"/>
+            </a:pPr>
+            <a:r>
+              <a:rPr lang="sr-Latn-RS" dirty="0">
+                <a:latin typeface="Montserrat Alternates ExtraBold" panose="020B0604020202020204" charset="0"/>
+                <a:ea typeface="NSimSun" panose="02010609030101010101" pitchFamily="49" charset="-122"/>
+              </a:rPr>
+              <a:t>	Amazon </a:t>
+            </a:r>
+            <a:r>
+              <a:rPr lang="sr-Latn-RS" dirty="0" err="1">
+                <a:latin typeface="Montserrat Alternates ExtraBold" panose="020B0604020202020204" charset="0"/>
+                <a:ea typeface="NSimSun" panose="02010609030101010101" pitchFamily="49" charset="-122"/>
+              </a:rPr>
+              <a:t>DynamoDB</a:t>
+            </a:r>
+            <a:endParaRPr lang="sr-Latn-RS" dirty="0">
+              <a:latin typeface="Montserrat Alternates ExtraBold" panose="020B0604020202020204" charset="0"/>
+              <a:ea typeface="NSimSun" panose="02010609030101010101" pitchFamily="49" charset="-122"/>
+            </a:endParaRPr>
+          </a:p>
+          <a:p>
+            <a:pPr marL="285750" indent="-285750" algn="l">
+              <a:buFont typeface="Wingdings" panose="05000000000000000000" pitchFamily="2" charset="2"/>
+              <a:buChar char="v"/>
+            </a:pPr>
+            <a:r>
+              <a:rPr lang="sr-Latn-RS" dirty="0">
+                <a:latin typeface="Montserrat Alternates ExtraBold" panose="020B0604020202020204" charset="0"/>
+                <a:ea typeface="NSimSun" panose="02010609030101010101" pitchFamily="49" charset="-122"/>
+              </a:rPr>
+              <a:t>	</a:t>
+            </a:r>
+            <a:r>
+              <a:rPr lang="sr-Latn-RS" dirty="0" err="1">
+                <a:latin typeface="Montserrat Alternates ExtraBold" panose="020B0604020202020204" charset="0"/>
+                <a:ea typeface="NSimSun" panose="02010609030101010101" pitchFamily="49" charset="-122"/>
+              </a:rPr>
+              <a:t>Oracle</a:t>
+            </a:r>
+            <a:r>
+              <a:rPr lang="sr-Latn-RS" dirty="0">
+                <a:latin typeface="Montserrat Alternates ExtraBold" panose="020B0604020202020204" charset="0"/>
+                <a:ea typeface="NSimSun" panose="02010609030101010101" pitchFamily="49" charset="-122"/>
+              </a:rPr>
+              <a:t> </a:t>
+            </a:r>
+            <a:r>
+              <a:rPr lang="sr-Latn-RS" dirty="0" err="1">
+                <a:latin typeface="Montserrat Alternates ExtraBold" panose="020B0604020202020204" charset="0"/>
+                <a:ea typeface="NSimSun" panose="02010609030101010101" pitchFamily="49" charset="-122"/>
+              </a:rPr>
+              <a:t>Database</a:t>
+            </a:r>
+            <a:endParaRPr lang="sr-Latn-RS" dirty="0">
+              <a:latin typeface="Montserrat Alternates ExtraBold" panose="020B0604020202020204" charset="0"/>
+              <a:ea typeface="NSimSun" panose="02010609030101010101" pitchFamily="49" charset="-122"/>
+            </a:endParaRPr>
+          </a:p>
+          <a:p>
+            <a:pPr marL="285750" indent="-285750" algn="l">
+              <a:buFont typeface="Wingdings" panose="05000000000000000000" pitchFamily="2" charset="2"/>
+              <a:buChar char="v"/>
+            </a:pPr>
+            <a:r>
+              <a:rPr lang="sr-Latn-RS" dirty="0">
+                <a:latin typeface="Montserrat Alternates ExtraBold" panose="020B0604020202020204" charset="0"/>
+                <a:ea typeface="NSimSun" panose="02010609030101010101" pitchFamily="49" charset="-122"/>
+              </a:rPr>
+              <a:t>	Amazon </a:t>
+            </a:r>
+            <a:r>
+              <a:rPr lang="sr-Latn-RS" dirty="0" err="1">
+                <a:latin typeface="Montserrat Alternates ExtraBold" panose="020B0604020202020204" charset="0"/>
+                <a:ea typeface="NSimSun" panose="02010609030101010101" pitchFamily="49" charset="-122"/>
+              </a:rPr>
+              <a:t>Athena</a:t>
+            </a:r>
+            <a:endParaRPr lang="sr-Latn-RS" dirty="0">
+              <a:latin typeface="Montserrat Alternates ExtraBold" panose="020B0604020202020204" charset="0"/>
+              <a:ea typeface="NSimSun" panose="02010609030101010101" pitchFamily="49" charset="-122"/>
+            </a:endParaRPr>
+          </a:p>
+          <a:p>
+            <a:pPr marL="285750" indent="-285750" algn="l">
+              <a:buFont typeface="Wingdings" panose="05000000000000000000" pitchFamily="2" charset="2"/>
+              <a:buChar char="v"/>
+            </a:pPr>
+            <a:r>
+              <a:rPr lang="sr-Latn-RS" dirty="0">
+                <a:latin typeface="Montserrat Alternates ExtraBold" panose="020B0604020202020204" charset="0"/>
+                <a:ea typeface="NSimSun" panose="02010609030101010101" pitchFamily="49" charset="-122"/>
+              </a:rPr>
+              <a:t>	SAP HANA </a:t>
+            </a:r>
+            <a:r>
+              <a:rPr lang="sr-Latn-RS" dirty="0" err="1">
+                <a:latin typeface="Montserrat Alternates ExtraBold" panose="020B0604020202020204" charset="0"/>
+                <a:ea typeface="NSimSun" panose="02010609030101010101" pitchFamily="49" charset="-122"/>
+              </a:rPr>
+              <a:t>Cloud</a:t>
+            </a:r>
+            <a:endParaRPr lang="sr-Latn-RS" dirty="0">
+              <a:latin typeface="Montserrat Alternates ExtraBold" panose="020B0604020202020204" charset="0"/>
+              <a:ea typeface="NSimSun" panose="02010609030101010101" pitchFamily="49" charset="-122"/>
+            </a:endParaRPr>
+          </a:p>
+          <a:p>
+            <a:pPr marL="285750" indent="-285750" algn="l">
+              <a:buFont typeface="Wingdings" panose="05000000000000000000" pitchFamily="2" charset="2"/>
+              <a:buChar char="v"/>
+            </a:pPr>
+            <a:r>
+              <a:rPr lang="sr-Latn-RS" dirty="0">
+                <a:latin typeface="Montserrat Alternates ExtraBold" panose="020B0604020202020204" charset="0"/>
+                <a:ea typeface="NSimSun" panose="02010609030101010101" pitchFamily="49" charset="-122"/>
+              </a:rPr>
+              <a:t>         IBM Db2</a:t>
+            </a:r>
+          </a:p>
+          <a:p>
+            <a:pPr marL="285750" indent="-285750" algn="l">
+              <a:buFont typeface="Wingdings" panose="05000000000000000000" pitchFamily="2" charset="2"/>
+              <a:buChar char="v"/>
+            </a:pPr>
+            <a:r>
+              <a:rPr lang="sr-Latn-RS" dirty="0">
+                <a:latin typeface="Montserrat Alternates ExtraBold" panose="020B0604020202020204" charset="0"/>
+                <a:ea typeface="NSimSun" panose="02010609030101010101" pitchFamily="49" charset="-122"/>
+              </a:rPr>
+              <a:t>	MongoDB Atlas</a:t>
+            </a:r>
+          </a:p>
+          <a:p>
+            <a:pPr marL="285750" indent="-285750" algn="l">
+              <a:buFont typeface="Wingdings" panose="05000000000000000000" pitchFamily="2" charset="2"/>
+              <a:buChar char="v"/>
+            </a:pPr>
+            <a:r>
+              <a:rPr lang="sr-Latn-RS" dirty="0">
+                <a:latin typeface="Montserrat Alternates ExtraBold" panose="020B0604020202020204" charset="0"/>
+                <a:ea typeface="NSimSun" panose="02010609030101010101" pitchFamily="49" charset="-122"/>
+              </a:rPr>
+              <a:t>	Azure SQL </a:t>
+            </a:r>
+            <a:r>
+              <a:rPr lang="sr-Latn-RS" dirty="0" err="1">
+                <a:latin typeface="Montserrat Alternates ExtraBold" panose="020B0604020202020204" charset="0"/>
+                <a:ea typeface="NSimSun" panose="02010609030101010101" pitchFamily="49" charset="-122"/>
+              </a:rPr>
+              <a:t>Database</a:t>
+            </a:r>
+            <a:endParaRPr lang="sr-Latn-RS" dirty="0">
+              <a:latin typeface="Montserrat Alternates ExtraBold" panose="020B0604020202020204" charset="0"/>
+              <a:ea typeface="NSimSun" panose="02010609030101010101" pitchFamily="49" charset="-122"/>
+            </a:endParaRPr>
+          </a:p>
+          <a:p>
+            <a:pPr marL="285750" indent="-285750" algn="l">
+              <a:buFont typeface="Wingdings" panose="05000000000000000000" pitchFamily="2" charset="2"/>
+              <a:buChar char="v"/>
+            </a:pPr>
+            <a:r>
+              <a:rPr lang="sr-Latn-RS" dirty="0">
+                <a:latin typeface="Montserrat Alternates ExtraBold" panose="020B0604020202020204" charset="0"/>
+                <a:ea typeface="NSimSun" panose="02010609030101010101" pitchFamily="49" charset="-122"/>
+              </a:rPr>
+              <a:t>	Amazon Aurora</a:t>
+            </a:r>
+          </a:p>
+          <a:p>
+            <a:pPr marL="285750" indent="-285750" algn="l">
+              <a:buFont typeface="Wingdings" panose="05000000000000000000" pitchFamily="2" charset="2"/>
+              <a:buChar char="v"/>
+            </a:pPr>
+            <a:r>
+              <a:rPr lang="sr-Latn-RS" dirty="0">
+                <a:latin typeface="Montserrat Alternates ExtraBold" panose="020B0604020202020204" charset="0"/>
+                <a:ea typeface="NSimSun" panose="02010609030101010101" pitchFamily="49" charset="-122"/>
+              </a:rPr>
+              <a:t>	</a:t>
+            </a:r>
+            <a:r>
+              <a:rPr lang="sr-Latn-RS" dirty="0" err="1">
+                <a:latin typeface="Montserrat Alternates ExtraBold" panose="020B0604020202020204" charset="0"/>
+                <a:ea typeface="NSimSun" panose="02010609030101010101" pitchFamily="49" charset="-122"/>
+              </a:rPr>
+              <a:t>Ninox</a:t>
+            </a:r>
+            <a:r>
+              <a:rPr lang="sr-Latn-RS" dirty="0">
+                <a:latin typeface="Montserrat Alternates ExtraBold" panose="020B0604020202020204" charset="0"/>
+                <a:ea typeface="NSimSun" panose="02010609030101010101" pitchFamily="49" charset="-122"/>
+              </a:rPr>
+              <a:t> </a:t>
+            </a:r>
+            <a:r>
+              <a:rPr lang="sr-Latn-RS" dirty="0" err="1">
+                <a:latin typeface="Montserrat Alternates ExtraBold" panose="020B0604020202020204" charset="0"/>
+                <a:ea typeface="NSimSun" panose="02010609030101010101" pitchFamily="49" charset="-122"/>
+              </a:rPr>
+              <a:t>Database</a:t>
+            </a:r>
+            <a:endParaRPr lang="sr-Latn-RS" dirty="0">
+              <a:latin typeface="Montserrat Alternates ExtraBold" panose="020B0604020202020204" charset="0"/>
+              <a:ea typeface="NSimSun" panose="02010609030101010101" pitchFamily="49" charset="-122"/>
+            </a:endParaRPr>
+          </a:p>
+          <a:p>
+            <a:pPr marL="285750" indent="-285750" algn="l">
+              <a:buFont typeface="Wingdings" panose="05000000000000000000" pitchFamily="2" charset="2"/>
+              <a:buChar char="v"/>
+            </a:pPr>
+            <a:endParaRPr lang="sr-Latn-RS" dirty="0">
+              <a:latin typeface="Montserrat Alternates ExtraBold" panose="020B0604020202020204" charset="0"/>
+              <a:ea typeface="NSimSun" panose="02010609030101010101" pitchFamily="49" charset="-122"/>
+            </a:endParaRPr>
+          </a:p>
+          <a:p>
+            <a:pPr marL="0" indent="0" algn="l">
+              <a:lnSpc>
+                <a:spcPct val="200000"/>
+              </a:lnSpc>
+            </a:pPr>
+            <a:endParaRPr lang="sr-Latn-RS" dirty="0">
+              <a:latin typeface="Montserrat Alternates ExtraBold" panose="020B0604020202020204" charset="0"/>
+              <a:ea typeface="NSimSun" panose="02010609030101010101" pitchFamily="49" charset="-122"/>
+            </a:endParaRPr>
           </a:p>
         </p:txBody>
       </p:sp>
     </p:spTree>
     <p:extLst>
       <p:ext uri="{BB962C8B-B14F-4D97-AF65-F5344CB8AC3E}">
-        <p14:creationId xmlns:p14="http://schemas.microsoft.com/office/powerpoint/2010/main" val="2131226787"/>
+        <p14:creationId xmlns:p14="http://schemas.microsoft.com/office/powerpoint/2010/main" val="3567039360"/>
       </p:ext>
     </p:extLst>
   </p:cSld>
   <p:clrMapOvr>
     <a:masterClrMapping/>
   </p:clrMapOvr>
-  <mc:AlternateContent xmlns:mc="http://schemas.openxmlformats.org/markup-compatibility/2006" xmlns:p14="http://schemas.microsoft.com/office/powerpoint/2010/main">
-    <mc:Choice Requires="p14">
-      <p:transition spd="slow" p14:dur="1600">
-        <p14:gallery dir="l"/>
-      </p:transition>
-    </mc:Choice>
-    <mc:Fallback xmlns="">
-      <p:transition spd="slow">
-        <p:fade/>
-      </p:transition>
-    </mc:Fallback>
-  </mc:AlternateContent>
-</p:sld>
-</file>
-
-<file path=ppt/slides/slide9.xml><?xml version="1.0" encoding="utf-8"?>
-<p:sld xmlns:a="http://schemas.openxmlformats.org/drawingml/2006/main" xmlns:r="http://schemas.openxmlformats.org/officeDocument/2006/relationships" xmlns:p="http://schemas.openxmlformats.org/presentationml/2006/main">
-  <p:cSld>
-    <p:spTree>
-      <p:nvGrpSpPr>
-        <p:cNvPr id="1" name="Shape 597"/>
-        <p:cNvGrpSpPr/>
-        <p:nvPr/>
-      </p:nvGrpSpPr>
-      <p:grpSpPr>
-        <a:xfrm>
-          <a:off x="0" y="0"/>
-          <a:ext cx="0" cy="0"/>
-          <a:chOff x="0" y="0"/>
-          <a:chExt cx="0" cy="0"/>
-        </a:xfrm>
-      </p:grpSpPr>
-      <p:sp>
-        <p:nvSpPr>
-          <p:cNvPr id="598" name="Google Shape;598;p43"/>
-          <p:cNvSpPr/>
-          <p:nvPr/>
-        </p:nvSpPr>
-        <p:spPr>
-          <a:xfrm>
-            <a:off x="1745400" y="529000"/>
-            <a:ext cx="5653200" cy="496500"/>
-          </a:xfrm>
-          <a:prstGeom prst="roundRect">
-            <a:avLst>
-              <a:gd name="adj" fmla="val 50000"/>
-            </a:avLst>
-          </a:prstGeom>
-          <a:noFill/>
-          <a:ln w="9525" cap="flat" cmpd="sng">
-            <a:solidFill>
-              <a:schemeClr val="lt1"/>
-            </a:solidFill>
-            <a:prstDash val="solid"/>
-            <a:round/>
-            <a:headEnd type="none" w="sm" len="sm"/>
-            <a:tailEnd type="none" w="sm" len="sm"/>
-          </a:ln>
-        </p:spPr>
-        <p:txBody>
-          <a:bodyPr spcFirstLastPara="1" wrap="square" lIns="91425" tIns="91425" rIns="91425" bIns="91425" anchor="ctr" anchorCtr="0">
-            <a:noAutofit/>
-          </a:bodyPr>
-          <a:lstStyle/>
-          <a:p>
-            <a:pPr marL="0" lvl="0" indent="0" algn="l" rtl="0">
-              <a:spcBef>
-                <a:spcPts val="0"/>
-              </a:spcBef>
-              <a:spcAft>
-                <a:spcPts val="0"/>
-              </a:spcAft>
-              <a:buNone/>
-            </a:pPr>
-            <a:endParaRPr/>
-          </a:p>
-        </p:txBody>
-      </p:sp>
-      <p:sp>
-        <p:nvSpPr>
-          <p:cNvPr id="603" name="Google Shape;603;p43"/>
-          <p:cNvSpPr txBox="1">
-            <a:spLocks noGrp="1"/>
-          </p:cNvSpPr>
-          <p:nvPr>
-            <p:ph type="title"/>
-          </p:nvPr>
-        </p:nvSpPr>
-        <p:spPr>
-          <a:xfrm>
-            <a:off x="713225" y="548650"/>
-            <a:ext cx="7717500" cy="457200"/>
-          </a:xfrm>
-          <a:prstGeom prst="rect">
-            <a:avLst/>
-          </a:prstGeom>
-        </p:spPr>
-        <p:txBody>
-          <a:bodyPr spcFirstLastPara="1" wrap="square" lIns="91425" tIns="91425" rIns="91425" bIns="91425" anchor="ctr" anchorCtr="0">
-            <a:noAutofit/>
-          </a:bodyPr>
-          <a:lstStyle/>
-          <a:p>
-            <a:pPr marL="0" lvl="0" indent="0" algn="ctr" rtl="0">
-              <a:spcBef>
-                <a:spcPts val="0"/>
-              </a:spcBef>
-              <a:spcAft>
-                <a:spcPts val="0"/>
-              </a:spcAft>
-              <a:buNone/>
-            </a:pPr>
-            <a:r>
-              <a:rPr lang="sr-Latn-RS" dirty="0"/>
-              <a:t>Tolerancija na greške</a:t>
-            </a:r>
-            <a:endParaRPr dirty="0">
-              <a:solidFill>
-                <a:schemeClr val="dk2"/>
-              </a:solidFill>
-            </a:endParaRPr>
-          </a:p>
-        </p:txBody>
-      </p:sp>
-      <p:pic>
-        <p:nvPicPr>
-          <p:cNvPr id="4" name="Picture 3">
-            <a:extLst>
-              <a:ext uri="{FF2B5EF4-FFF2-40B4-BE49-F238E27FC236}">
-                <a16:creationId xmlns:a16="http://schemas.microsoft.com/office/drawing/2014/main" id="{58E69F06-F170-E5E2-8BE7-0AE11F888ED0}"/>
-              </a:ext>
-            </a:extLst>
-          </p:cNvPr>
-          <p:cNvPicPr>
-            <a:picLocks noChangeAspect="1"/>
-          </p:cNvPicPr>
-          <p:nvPr/>
-        </p:nvPicPr>
-        <p:blipFill>
-          <a:blip r:embed="rId3"/>
-          <a:stretch>
-            <a:fillRect/>
-          </a:stretch>
-        </p:blipFill>
-        <p:spPr>
-          <a:xfrm>
-            <a:off x="1699260" y="1402080"/>
-            <a:ext cx="5745480" cy="2339340"/>
-          </a:xfrm>
-          <a:prstGeom prst="rect">
-            <a:avLst/>
-          </a:prstGeom>
-        </p:spPr>
-      </p:pic>
-    </p:spTree>
-    <p:extLst>
-      <p:ext uri="{BB962C8B-B14F-4D97-AF65-F5344CB8AC3E}">
-        <p14:creationId xmlns:p14="http://schemas.microsoft.com/office/powerpoint/2010/main" val="2087561551"/>
-      </p:ext>
-    </p:extLst>
-  </p:cSld>
-  <p:clrMapOvr>
-    <a:masterClrMapping/>
-  </p:clrMapOvr>
-  <mc:AlternateContent xmlns:mc="http://schemas.openxmlformats.org/markup-compatibility/2006" xmlns:p14="http://schemas.microsoft.com/office/powerpoint/2010/main">
-    <mc:Choice Requires="p14">
-      <p:transition spd="slow" p14:dur="1600">
-        <p14:gallery dir="l"/>
-      </p:transition>
-    </mc:Choice>
-    <mc:Fallback xmlns="">
-      <p:transition spd="slow">
-        <p:fade/>
-      </p:transition>
-    </mc:Fallback>
-  </mc:AlternateContent>
 </p:sld>
 </file>
 
